--- a/ObjectOrientedProgramming.pptx
+++ b/ObjectOrientedProgramming.pptx
@@ -4,6 +4,9 @@
   <p:sldMasterIdLst>
     <p:sldMasterId id="2147483648" r:id="rId1"/>
   </p:sldMasterIdLst>
+  <p:notesMasterIdLst>
+    <p:notesMasterId r:id="rId13"/>
+  </p:notesMasterIdLst>
   <p:sldIdLst>
     <p:sldId id="256" r:id="rId2"/>
     <p:sldId id="257" r:id="rId3"/>
@@ -11,15 +14,11 @@
     <p:sldId id="259" r:id="rId5"/>
     <p:sldId id="260" r:id="rId6"/>
     <p:sldId id="261" r:id="rId7"/>
-    <p:sldId id="262" r:id="rId8"/>
-    <p:sldId id="263" r:id="rId9"/>
-    <p:sldId id="264" r:id="rId10"/>
-    <p:sldId id="265" r:id="rId11"/>
-    <p:sldId id="266" r:id="rId12"/>
-    <p:sldId id="268" r:id="rId13"/>
-    <p:sldId id="269" r:id="rId14"/>
-    <p:sldId id="270" r:id="rId15"/>
-    <p:sldId id="271" r:id="rId16"/>
+    <p:sldId id="263" r:id="rId8"/>
+    <p:sldId id="265" r:id="rId9"/>
+    <p:sldId id="270" r:id="rId10"/>
+    <p:sldId id="268" r:id="rId11"/>
+    <p:sldId id="271" r:id="rId12"/>
   </p:sldIdLst>
   <p:sldSz cx="12192000" cy="6858000"/>
   <p:notesSz cx="6858000" cy="9144000"/>
@@ -118,7 +117,986 @@
       </a:defRPr>
     </a:lvl9pPr>
   </p:defaultTextStyle>
+  <p:extLst>
+    <p:ext uri="{EFAFB233-063F-42B5-8137-9DF3F51BA10A}">
+      <p15:sldGuideLst xmlns:p15="http://schemas.microsoft.com/office/powerpoint/2012/main"/>
+    </p:ext>
+  </p:extLst>
 </p:presentation>
+</file>
+
+<file path=ppt/notesMasters/notesMaster1.xml><?xml version="1.0" encoding="utf-8"?>
+<p:notesMaster xmlns:a="http://schemas.openxmlformats.org/drawingml/2006/main" xmlns:r="http://schemas.openxmlformats.org/officeDocument/2006/relationships" xmlns:p="http://schemas.openxmlformats.org/presentationml/2006/main">
+  <p:cSld>
+    <p:bg>
+      <p:bgRef idx="1001">
+        <a:schemeClr val="bg1"/>
+      </p:bgRef>
+    </p:bg>
+    <p:spTree>
+      <p:nvGrpSpPr>
+        <p:cNvPr id="1" name=""/>
+        <p:cNvGrpSpPr/>
+        <p:nvPr/>
+      </p:nvGrpSpPr>
+      <p:grpSpPr>
+        <a:xfrm>
+          <a:off x="0" y="0"/>
+          <a:ext cx="0" cy="0"/>
+          <a:chOff x="0" y="0"/>
+          <a:chExt cx="0" cy="0"/>
+        </a:xfrm>
+      </p:grpSpPr>
+      <p:sp>
+        <p:nvSpPr>
+          <p:cNvPr id="2" name="Pladsholder til sidehoved 1"/>
+          <p:cNvSpPr>
+            <a:spLocks noGrp="1"/>
+          </p:cNvSpPr>
+          <p:nvPr>
+            <p:ph type="hdr" sz="quarter"/>
+          </p:nvPr>
+        </p:nvSpPr>
+        <p:spPr>
+          <a:xfrm>
+            <a:off x="0" y="0"/>
+            <a:ext cx="2971800" cy="458788"/>
+          </a:xfrm>
+          <a:prstGeom prst="rect">
+            <a:avLst/>
+          </a:prstGeom>
+        </p:spPr>
+        <p:txBody>
+          <a:bodyPr vert="horz" lIns="91440" tIns="45720" rIns="91440" bIns="45720" rtlCol="0"/>
+          <a:lstStyle>
+            <a:lvl1pPr algn="l">
+              <a:defRPr sz="1200"/>
+            </a:lvl1pPr>
+          </a:lstStyle>
+          <a:p>
+            <a:endParaRPr lang="en-GB"/>
+          </a:p>
+        </p:txBody>
+      </p:sp>
+      <p:sp>
+        <p:nvSpPr>
+          <p:cNvPr id="3" name="Pladsholder til dato 2"/>
+          <p:cNvSpPr>
+            <a:spLocks noGrp="1"/>
+          </p:cNvSpPr>
+          <p:nvPr>
+            <p:ph type="dt" idx="1"/>
+          </p:nvPr>
+        </p:nvSpPr>
+        <p:spPr>
+          <a:xfrm>
+            <a:off x="3884613" y="0"/>
+            <a:ext cx="2971800" cy="458788"/>
+          </a:xfrm>
+          <a:prstGeom prst="rect">
+            <a:avLst/>
+          </a:prstGeom>
+        </p:spPr>
+        <p:txBody>
+          <a:bodyPr vert="horz" lIns="91440" tIns="45720" rIns="91440" bIns="45720" rtlCol="0"/>
+          <a:lstStyle>
+            <a:lvl1pPr algn="r">
+              <a:defRPr sz="1200"/>
+            </a:lvl1pPr>
+          </a:lstStyle>
+          <a:p>
+            <a:fld id="{7F27ECF1-C032-469A-911F-89CB3F5B6174}" type="datetimeFigureOut">
+              <a:rPr lang="en-GB" smtClean="0"/>
+              <a:t>08/01/2019</a:t>
+            </a:fld>
+            <a:endParaRPr lang="en-GB"/>
+          </a:p>
+        </p:txBody>
+      </p:sp>
+      <p:sp>
+        <p:nvSpPr>
+          <p:cNvPr id="4" name="Pladsholder til slidebillede 3"/>
+          <p:cNvSpPr>
+            <a:spLocks noGrp="1" noRot="1" noChangeAspect="1"/>
+          </p:cNvSpPr>
+          <p:nvPr>
+            <p:ph type="sldImg" idx="2"/>
+          </p:nvPr>
+        </p:nvSpPr>
+        <p:spPr>
+          <a:xfrm>
+            <a:off x="685800" y="1143000"/>
+            <a:ext cx="5486400" cy="3086100"/>
+          </a:xfrm>
+          <a:prstGeom prst="rect">
+            <a:avLst/>
+          </a:prstGeom>
+          <a:noFill/>
+          <a:ln w="12700">
+            <a:solidFill>
+              <a:prstClr val="black"/>
+            </a:solidFill>
+          </a:ln>
+        </p:spPr>
+        <p:txBody>
+          <a:bodyPr vert="horz" lIns="91440" tIns="45720" rIns="91440" bIns="45720" rtlCol="0" anchor="ctr"/>
+          <a:lstStyle/>
+          <a:p>
+            <a:endParaRPr lang="en-GB"/>
+          </a:p>
+        </p:txBody>
+      </p:sp>
+      <p:sp>
+        <p:nvSpPr>
+          <p:cNvPr id="5" name="Pladsholder til noter 4"/>
+          <p:cNvSpPr>
+            <a:spLocks noGrp="1"/>
+          </p:cNvSpPr>
+          <p:nvPr>
+            <p:ph type="body" sz="quarter" idx="3"/>
+          </p:nvPr>
+        </p:nvSpPr>
+        <p:spPr>
+          <a:xfrm>
+            <a:off x="685800" y="4400550"/>
+            <a:ext cx="5486400" cy="3600450"/>
+          </a:xfrm>
+          <a:prstGeom prst="rect">
+            <a:avLst/>
+          </a:prstGeom>
+        </p:spPr>
+        <p:txBody>
+          <a:bodyPr vert="horz" lIns="91440" tIns="45720" rIns="91440" bIns="45720" rtlCol="0"/>
+          <a:lstStyle/>
+          <a:p>
+            <a:pPr lvl="0"/>
+            <a:r>
+              <a:rPr lang="da-DK"/>
+              <a:t>Rediger teksttypografien i masteren</a:t>
+            </a:r>
+          </a:p>
+          <a:p>
+            <a:pPr lvl="1"/>
+            <a:r>
+              <a:rPr lang="da-DK"/>
+              <a:t>Andet niveau</a:t>
+            </a:r>
+          </a:p>
+          <a:p>
+            <a:pPr lvl="2"/>
+            <a:r>
+              <a:rPr lang="da-DK"/>
+              <a:t>Tredje niveau</a:t>
+            </a:r>
+          </a:p>
+          <a:p>
+            <a:pPr lvl="3"/>
+            <a:r>
+              <a:rPr lang="da-DK"/>
+              <a:t>Fjerde niveau</a:t>
+            </a:r>
+          </a:p>
+          <a:p>
+            <a:pPr lvl="4"/>
+            <a:r>
+              <a:rPr lang="da-DK"/>
+              <a:t>Femte niveau</a:t>
+            </a:r>
+            <a:endParaRPr lang="en-GB"/>
+          </a:p>
+        </p:txBody>
+      </p:sp>
+      <p:sp>
+        <p:nvSpPr>
+          <p:cNvPr id="6" name="Pladsholder til sidefod 5"/>
+          <p:cNvSpPr>
+            <a:spLocks noGrp="1"/>
+          </p:cNvSpPr>
+          <p:nvPr>
+            <p:ph type="ftr" sz="quarter" idx="4"/>
+          </p:nvPr>
+        </p:nvSpPr>
+        <p:spPr>
+          <a:xfrm>
+            <a:off x="0" y="8685213"/>
+            <a:ext cx="2971800" cy="458787"/>
+          </a:xfrm>
+          <a:prstGeom prst="rect">
+            <a:avLst/>
+          </a:prstGeom>
+        </p:spPr>
+        <p:txBody>
+          <a:bodyPr vert="horz" lIns="91440" tIns="45720" rIns="91440" bIns="45720" rtlCol="0" anchor="b"/>
+          <a:lstStyle>
+            <a:lvl1pPr algn="l">
+              <a:defRPr sz="1200"/>
+            </a:lvl1pPr>
+          </a:lstStyle>
+          <a:p>
+            <a:endParaRPr lang="en-GB"/>
+          </a:p>
+        </p:txBody>
+      </p:sp>
+      <p:sp>
+        <p:nvSpPr>
+          <p:cNvPr id="7" name="Pladsholder til slidenummer 6"/>
+          <p:cNvSpPr>
+            <a:spLocks noGrp="1"/>
+          </p:cNvSpPr>
+          <p:nvPr>
+            <p:ph type="sldNum" sz="quarter" idx="5"/>
+          </p:nvPr>
+        </p:nvSpPr>
+        <p:spPr>
+          <a:xfrm>
+            <a:off x="3884613" y="8685213"/>
+            <a:ext cx="2971800" cy="458787"/>
+          </a:xfrm>
+          <a:prstGeom prst="rect">
+            <a:avLst/>
+          </a:prstGeom>
+        </p:spPr>
+        <p:txBody>
+          <a:bodyPr vert="horz" lIns="91440" tIns="45720" rIns="91440" bIns="45720" rtlCol="0" anchor="b"/>
+          <a:lstStyle>
+            <a:lvl1pPr algn="r">
+              <a:defRPr sz="1200"/>
+            </a:lvl1pPr>
+          </a:lstStyle>
+          <a:p>
+            <a:fld id="{5A3F4CD4-FD8E-499A-BFCA-957F332377FC}" type="slidenum">
+              <a:rPr lang="en-GB" smtClean="0"/>
+              <a:t>‹nr.›</a:t>
+            </a:fld>
+            <a:endParaRPr lang="en-GB"/>
+          </a:p>
+        </p:txBody>
+      </p:sp>
+    </p:spTree>
+    <p:extLst>
+      <p:ext uri="{BB962C8B-B14F-4D97-AF65-F5344CB8AC3E}">
+        <p14:creationId xmlns:p14="http://schemas.microsoft.com/office/powerpoint/2010/main" val="1750714195"/>
+      </p:ext>
+    </p:extLst>
+  </p:cSld>
+  <p:clrMap bg1="lt1" tx1="dk1" bg2="lt2" tx2="dk2" accent1="accent1" accent2="accent2" accent3="accent3" accent4="accent4" accent5="accent5" accent6="accent6" hlink="hlink" folHlink="folHlink"/>
+  <p:notesStyle>
+    <a:lvl1pPr marL="0" algn="l" defTabSz="914400" rtl="0" eaLnBrk="1" latinLnBrk="0" hangingPunct="1">
+      <a:defRPr sz="1200" kern="1200">
+        <a:solidFill>
+          <a:schemeClr val="tx1"/>
+        </a:solidFill>
+        <a:latin typeface="+mn-lt"/>
+        <a:ea typeface="+mn-ea"/>
+        <a:cs typeface="+mn-cs"/>
+      </a:defRPr>
+    </a:lvl1pPr>
+    <a:lvl2pPr marL="457200" algn="l" defTabSz="914400" rtl="0" eaLnBrk="1" latinLnBrk="0" hangingPunct="1">
+      <a:defRPr sz="1200" kern="1200">
+        <a:solidFill>
+          <a:schemeClr val="tx1"/>
+        </a:solidFill>
+        <a:latin typeface="+mn-lt"/>
+        <a:ea typeface="+mn-ea"/>
+        <a:cs typeface="+mn-cs"/>
+      </a:defRPr>
+    </a:lvl2pPr>
+    <a:lvl3pPr marL="914400" algn="l" defTabSz="914400" rtl="0" eaLnBrk="1" latinLnBrk="0" hangingPunct="1">
+      <a:defRPr sz="1200" kern="1200">
+        <a:solidFill>
+          <a:schemeClr val="tx1"/>
+        </a:solidFill>
+        <a:latin typeface="+mn-lt"/>
+        <a:ea typeface="+mn-ea"/>
+        <a:cs typeface="+mn-cs"/>
+      </a:defRPr>
+    </a:lvl3pPr>
+    <a:lvl4pPr marL="1371600" algn="l" defTabSz="914400" rtl="0" eaLnBrk="1" latinLnBrk="0" hangingPunct="1">
+      <a:defRPr sz="1200" kern="1200">
+        <a:solidFill>
+          <a:schemeClr val="tx1"/>
+        </a:solidFill>
+        <a:latin typeface="+mn-lt"/>
+        <a:ea typeface="+mn-ea"/>
+        <a:cs typeface="+mn-cs"/>
+      </a:defRPr>
+    </a:lvl4pPr>
+    <a:lvl5pPr marL="1828800" algn="l" defTabSz="914400" rtl="0" eaLnBrk="1" latinLnBrk="0" hangingPunct="1">
+      <a:defRPr sz="1200" kern="1200">
+        <a:solidFill>
+          <a:schemeClr val="tx1"/>
+        </a:solidFill>
+        <a:latin typeface="+mn-lt"/>
+        <a:ea typeface="+mn-ea"/>
+        <a:cs typeface="+mn-cs"/>
+      </a:defRPr>
+    </a:lvl5pPr>
+    <a:lvl6pPr marL="2286000" algn="l" defTabSz="914400" rtl="0" eaLnBrk="1" latinLnBrk="0" hangingPunct="1">
+      <a:defRPr sz="1200" kern="1200">
+        <a:solidFill>
+          <a:schemeClr val="tx1"/>
+        </a:solidFill>
+        <a:latin typeface="+mn-lt"/>
+        <a:ea typeface="+mn-ea"/>
+        <a:cs typeface="+mn-cs"/>
+      </a:defRPr>
+    </a:lvl6pPr>
+    <a:lvl7pPr marL="2743200" algn="l" defTabSz="914400" rtl="0" eaLnBrk="1" latinLnBrk="0" hangingPunct="1">
+      <a:defRPr sz="1200" kern="1200">
+        <a:solidFill>
+          <a:schemeClr val="tx1"/>
+        </a:solidFill>
+        <a:latin typeface="+mn-lt"/>
+        <a:ea typeface="+mn-ea"/>
+        <a:cs typeface="+mn-cs"/>
+      </a:defRPr>
+    </a:lvl7pPr>
+    <a:lvl8pPr marL="3200400" algn="l" defTabSz="914400" rtl="0" eaLnBrk="1" latinLnBrk="0" hangingPunct="1">
+      <a:defRPr sz="1200" kern="1200">
+        <a:solidFill>
+          <a:schemeClr val="tx1"/>
+        </a:solidFill>
+        <a:latin typeface="+mn-lt"/>
+        <a:ea typeface="+mn-ea"/>
+        <a:cs typeface="+mn-cs"/>
+      </a:defRPr>
+    </a:lvl8pPr>
+    <a:lvl9pPr marL="3657600" algn="l" defTabSz="914400" rtl="0" eaLnBrk="1" latinLnBrk="0" hangingPunct="1">
+      <a:defRPr sz="1200" kern="1200">
+        <a:solidFill>
+          <a:schemeClr val="tx1"/>
+        </a:solidFill>
+        <a:latin typeface="+mn-lt"/>
+        <a:ea typeface="+mn-ea"/>
+        <a:cs typeface="+mn-cs"/>
+      </a:defRPr>
+    </a:lvl9pPr>
+  </p:notesStyle>
+</p:notesMaster>
+</file>
+
+<file path=ppt/notesSlides/notesSlide1.xml><?xml version="1.0" encoding="utf-8"?>
+<p:notes xmlns:a="http://schemas.openxmlformats.org/drawingml/2006/main" xmlns:r="http://schemas.openxmlformats.org/officeDocument/2006/relationships" xmlns:p="http://schemas.openxmlformats.org/presentationml/2006/main">
+  <p:cSld>
+    <p:spTree>
+      <p:nvGrpSpPr>
+        <p:cNvPr id="1" name=""/>
+        <p:cNvGrpSpPr/>
+        <p:nvPr/>
+      </p:nvGrpSpPr>
+      <p:grpSpPr>
+        <a:xfrm>
+          <a:off x="0" y="0"/>
+          <a:ext cx="0" cy="0"/>
+          <a:chOff x="0" y="0"/>
+          <a:chExt cx="0" cy="0"/>
+        </a:xfrm>
+      </p:grpSpPr>
+      <p:sp>
+        <p:nvSpPr>
+          <p:cNvPr id="2" name="Pladsholder til slidebillede 1"/>
+          <p:cNvSpPr>
+            <a:spLocks noGrp="1" noRot="1" noChangeAspect="1"/>
+          </p:cNvSpPr>
+          <p:nvPr>
+            <p:ph type="sldImg"/>
+          </p:nvPr>
+        </p:nvSpPr>
+        <p:spPr/>
+      </p:sp>
+      <p:sp>
+        <p:nvSpPr>
+          <p:cNvPr id="3" name="Pladsholder til noter 2"/>
+          <p:cNvSpPr>
+            <a:spLocks noGrp="1"/>
+          </p:cNvSpPr>
+          <p:nvPr>
+            <p:ph type="body" idx="1"/>
+          </p:nvPr>
+        </p:nvSpPr>
+        <p:spPr/>
+        <p:txBody>
+          <a:bodyPr/>
+          <a:lstStyle/>
+          <a:p>
+            <a:pPr marL="0" marR="0" lvl="0" indent="0" algn="l" defTabSz="914400" rtl="0" eaLnBrk="1" fontAlgn="auto" latinLnBrk="0" hangingPunct="1">
+              <a:lnSpc>
+                <a:spcPct val="100000"/>
+              </a:lnSpc>
+              <a:spcBef>
+                <a:spcPts val="0"/>
+              </a:spcBef>
+              <a:spcAft>
+                <a:spcPts val="0"/>
+              </a:spcAft>
+              <a:buClrTx/>
+              <a:buSzTx/>
+              <a:buFontTx/>
+              <a:buNone/>
+              <a:tabLst/>
+              <a:defRPr/>
+            </a:pPr>
+            <a:r>
+              <a:rPr lang="da-DK" dirty="0" err="1"/>
+              <a:t>E.g</a:t>
+            </a:r>
+            <a:r>
+              <a:rPr lang="da-DK" dirty="0"/>
+              <a:t>. når en bruger benytter sin bil og trykker på speederen, så ved han/hun blot, at farten øges men ikke nødvendigvis hvordan eller hvorfor.</a:t>
+            </a:r>
+          </a:p>
+          <a:p>
+            <a:endParaRPr lang="en-GB" dirty="0"/>
+          </a:p>
+        </p:txBody>
+      </p:sp>
+      <p:sp>
+        <p:nvSpPr>
+          <p:cNvPr id="4" name="Pladsholder til slidenummer 3"/>
+          <p:cNvSpPr>
+            <a:spLocks noGrp="1"/>
+          </p:cNvSpPr>
+          <p:nvPr>
+            <p:ph type="sldNum" sz="quarter" idx="5"/>
+          </p:nvPr>
+        </p:nvSpPr>
+        <p:spPr/>
+        <p:txBody>
+          <a:bodyPr/>
+          <a:lstStyle/>
+          <a:p>
+            <a:fld id="{5A3F4CD4-FD8E-499A-BFCA-957F332377FC}" type="slidenum">
+              <a:rPr lang="en-GB" smtClean="0"/>
+              <a:t>3</a:t>
+            </a:fld>
+            <a:endParaRPr lang="en-GB"/>
+          </a:p>
+        </p:txBody>
+      </p:sp>
+    </p:spTree>
+    <p:extLst>
+      <p:ext uri="{BB962C8B-B14F-4D97-AF65-F5344CB8AC3E}">
+        <p14:creationId xmlns:p14="http://schemas.microsoft.com/office/powerpoint/2010/main" val="898604927"/>
+      </p:ext>
+    </p:extLst>
+  </p:cSld>
+  <p:clrMapOvr>
+    <a:masterClrMapping/>
+  </p:clrMapOvr>
+</p:notes>
+</file>
+
+<file path=ppt/notesSlides/notesSlide2.xml><?xml version="1.0" encoding="utf-8"?>
+<p:notes xmlns:a="http://schemas.openxmlformats.org/drawingml/2006/main" xmlns:r="http://schemas.openxmlformats.org/officeDocument/2006/relationships" xmlns:p="http://schemas.openxmlformats.org/presentationml/2006/main">
+  <p:cSld>
+    <p:spTree>
+      <p:nvGrpSpPr>
+        <p:cNvPr id="1" name=""/>
+        <p:cNvGrpSpPr/>
+        <p:nvPr/>
+      </p:nvGrpSpPr>
+      <p:grpSpPr>
+        <a:xfrm>
+          <a:off x="0" y="0"/>
+          <a:ext cx="0" cy="0"/>
+          <a:chOff x="0" y="0"/>
+          <a:chExt cx="0" cy="0"/>
+        </a:xfrm>
+      </p:grpSpPr>
+      <p:sp>
+        <p:nvSpPr>
+          <p:cNvPr id="2" name="Pladsholder til slidebillede 1"/>
+          <p:cNvSpPr>
+            <a:spLocks noGrp="1" noRot="1" noChangeAspect="1"/>
+          </p:cNvSpPr>
+          <p:nvPr>
+            <p:ph type="sldImg"/>
+          </p:nvPr>
+        </p:nvSpPr>
+        <p:spPr/>
+      </p:sp>
+      <p:sp>
+        <p:nvSpPr>
+          <p:cNvPr id="3" name="Pladsholder til noter 2"/>
+          <p:cNvSpPr>
+            <a:spLocks noGrp="1"/>
+          </p:cNvSpPr>
+          <p:nvPr>
+            <p:ph type="body" idx="1"/>
+          </p:nvPr>
+        </p:nvSpPr>
+        <p:spPr/>
+        <p:txBody>
+          <a:bodyPr/>
+          <a:lstStyle/>
+          <a:p>
+            <a:pPr marL="0" marR="0" lvl="0" indent="0" algn="l" defTabSz="914400" rtl="0" eaLnBrk="1" fontAlgn="auto" latinLnBrk="0" hangingPunct="1">
+              <a:lnSpc>
+                <a:spcPct val="100000"/>
+              </a:lnSpc>
+              <a:spcBef>
+                <a:spcPts val="0"/>
+              </a:spcBef>
+              <a:spcAft>
+                <a:spcPts val="0"/>
+              </a:spcAft>
+              <a:buClrTx/>
+              <a:buSzTx/>
+              <a:buFontTx/>
+              <a:buNone/>
+              <a:tabLst/>
+              <a:defRPr/>
+            </a:pPr>
+            <a:r>
+              <a:rPr lang="en-US" sz="1200" dirty="0" err="1">
+                <a:solidFill>
+                  <a:schemeClr val="bg1"/>
+                </a:solidFill>
+              </a:rPr>
+              <a:t>Som</a:t>
+            </a:r>
+            <a:r>
+              <a:rPr lang="en-US" sz="1200" dirty="0">
+                <a:solidFill>
+                  <a:schemeClr val="bg1"/>
+                </a:solidFill>
+              </a:rPr>
+              <a:t> </a:t>
+            </a:r>
+            <a:r>
+              <a:rPr lang="en-US" sz="1200" dirty="0" err="1">
+                <a:solidFill>
+                  <a:schemeClr val="bg1"/>
+                </a:solidFill>
+              </a:rPr>
+              <a:t>nævnt</a:t>
+            </a:r>
+            <a:r>
+              <a:rPr lang="en-US" sz="1200" dirty="0">
+                <a:solidFill>
+                  <a:schemeClr val="bg1"/>
+                </a:solidFill>
+              </a:rPr>
+              <a:t> </a:t>
+            </a:r>
+            <a:r>
+              <a:rPr lang="en-US" sz="1200" dirty="0" err="1">
+                <a:solidFill>
+                  <a:schemeClr val="bg1"/>
+                </a:solidFill>
+              </a:rPr>
+              <a:t>tidligere</a:t>
+            </a:r>
+            <a:r>
+              <a:rPr lang="en-US" sz="1200" dirty="0">
+                <a:solidFill>
+                  <a:schemeClr val="bg1"/>
+                </a:solidFill>
+              </a:rPr>
+              <a:t>, </a:t>
+            </a:r>
+            <a:r>
+              <a:rPr lang="en-US" sz="1200" dirty="0" err="1">
+                <a:solidFill>
+                  <a:schemeClr val="bg1"/>
+                </a:solidFill>
+              </a:rPr>
+              <a:t>så</a:t>
+            </a:r>
+            <a:r>
+              <a:rPr lang="en-US" sz="1200" dirty="0">
+                <a:solidFill>
+                  <a:schemeClr val="bg1"/>
+                </a:solidFill>
+              </a:rPr>
+              <a:t> </a:t>
+            </a:r>
+            <a:r>
+              <a:rPr lang="en-US" sz="1200" dirty="0" err="1">
+                <a:solidFill>
+                  <a:schemeClr val="bg1"/>
+                </a:solidFill>
+              </a:rPr>
+              <a:t>kan</a:t>
+            </a:r>
+            <a:r>
+              <a:rPr lang="en-US" sz="1200" dirty="0">
+                <a:solidFill>
+                  <a:schemeClr val="bg1"/>
+                </a:solidFill>
+              </a:rPr>
+              <a:t> </a:t>
+            </a:r>
+            <a:r>
+              <a:rPr lang="en-US" sz="1200" dirty="0" err="1">
+                <a:solidFill>
+                  <a:schemeClr val="bg1"/>
+                </a:solidFill>
+              </a:rPr>
+              <a:t>en</a:t>
+            </a:r>
+            <a:r>
+              <a:rPr lang="en-US" sz="1200" dirty="0">
+                <a:solidFill>
+                  <a:schemeClr val="bg1"/>
+                </a:solidFill>
+              </a:rPr>
+              <a:t> abstract </a:t>
+            </a:r>
+            <a:r>
+              <a:rPr lang="en-US" sz="1200" dirty="0" err="1">
+                <a:solidFill>
+                  <a:schemeClr val="bg1"/>
+                </a:solidFill>
+              </a:rPr>
+              <a:t>klasse</a:t>
+            </a:r>
+            <a:r>
+              <a:rPr lang="en-US" sz="1200" dirty="0">
+                <a:solidFill>
+                  <a:schemeClr val="bg1"/>
+                </a:solidFill>
+              </a:rPr>
+              <a:t> IKKE </a:t>
+            </a:r>
+            <a:r>
+              <a:rPr lang="en-US" sz="1200" dirty="0" err="1">
+                <a:solidFill>
+                  <a:schemeClr val="bg1"/>
+                </a:solidFill>
+              </a:rPr>
+              <a:t>instantieres</a:t>
+            </a:r>
+            <a:r>
+              <a:rPr lang="en-US" sz="1200" dirty="0">
+                <a:solidFill>
+                  <a:schemeClr val="bg1"/>
+                </a:solidFill>
+              </a:rPr>
+              <a:t> </a:t>
+            </a:r>
+            <a:r>
+              <a:rPr lang="en-US" sz="1200" dirty="0" err="1">
+                <a:solidFill>
+                  <a:schemeClr val="bg1"/>
+                </a:solidFill>
+              </a:rPr>
+              <a:t>alene</a:t>
+            </a:r>
+            <a:r>
+              <a:rPr lang="en-US" sz="1200" dirty="0">
+                <a:solidFill>
+                  <a:schemeClr val="bg1"/>
+                </a:solidFill>
+              </a:rPr>
+              <a:t>, men </a:t>
+            </a:r>
+            <a:r>
+              <a:rPr lang="en-US" sz="1200" dirty="0" err="1">
+                <a:solidFill>
+                  <a:schemeClr val="bg1"/>
+                </a:solidFill>
+              </a:rPr>
+              <a:t>en</a:t>
+            </a:r>
+            <a:r>
+              <a:rPr lang="en-US" sz="1200" dirty="0">
+                <a:solidFill>
+                  <a:schemeClr val="bg1"/>
+                </a:solidFill>
+              </a:rPr>
+              <a:t> abstract </a:t>
+            </a:r>
+            <a:r>
+              <a:rPr lang="en-US" sz="1200" dirty="0" err="1">
+                <a:solidFill>
+                  <a:schemeClr val="bg1"/>
+                </a:solidFill>
+              </a:rPr>
+              <a:t>klassen</a:t>
+            </a:r>
+            <a:r>
+              <a:rPr lang="en-US" sz="1200" dirty="0">
+                <a:solidFill>
+                  <a:schemeClr val="bg1"/>
+                </a:solidFill>
+              </a:rPr>
+              <a:t> </a:t>
+            </a:r>
+            <a:r>
+              <a:rPr lang="en-US" sz="1200" dirty="0" err="1">
+                <a:solidFill>
+                  <a:schemeClr val="bg1"/>
+                </a:solidFill>
+              </a:rPr>
+              <a:t>kan</a:t>
+            </a:r>
+            <a:r>
+              <a:rPr lang="en-US" sz="1200" dirty="0">
+                <a:solidFill>
+                  <a:schemeClr val="bg1"/>
+                </a:solidFill>
+              </a:rPr>
+              <a:t> GODT </a:t>
+            </a:r>
+            <a:r>
+              <a:rPr lang="en-US" sz="1200" dirty="0" err="1">
+                <a:solidFill>
+                  <a:schemeClr val="bg1"/>
+                </a:solidFill>
+              </a:rPr>
+              <a:t>instantieres</a:t>
+            </a:r>
+            <a:r>
+              <a:rPr lang="en-US" sz="1200" dirty="0">
+                <a:solidFill>
+                  <a:schemeClr val="bg1"/>
+                </a:solidFill>
+              </a:rPr>
+              <a:t> </a:t>
+            </a:r>
+            <a:r>
+              <a:rPr lang="en-US" sz="1200" dirty="0" err="1">
+                <a:solidFill>
+                  <a:schemeClr val="bg1"/>
+                </a:solidFill>
+              </a:rPr>
+              <a:t>som</a:t>
+            </a:r>
+            <a:r>
+              <a:rPr lang="en-US" sz="1200" dirty="0">
+                <a:solidFill>
+                  <a:schemeClr val="bg1"/>
+                </a:solidFill>
+              </a:rPr>
+              <a:t> et </a:t>
+            </a:r>
+            <a:r>
+              <a:rPr lang="en-US" sz="1200" dirty="0" err="1">
+                <a:solidFill>
+                  <a:schemeClr val="bg1"/>
+                </a:solidFill>
+              </a:rPr>
+              <a:t>specifikt</a:t>
+            </a:r>
+            <a:r>
+              <a:rPr lang="en-US" sz="1200" dirty="0">
+                <a:solidFill>
+                  <a:schemeClr val="bg1"/>
+                </a:solidFill>
+              </a:rPr>
+              <a:t> object. </a:t>
+            </a:r>
+          </a:p>
+          <a:p>
+            <a:endParaRPr lang="en-GB" dirty="0"/>
+          </a:p>
+        </p:txBody>
+      </p:sp>
+      <p:sp>
+        <p:nvSpPr>
+          <p:cNvPr id="4" name="Pladsholder til slidenummer 3"/>
+          <p:cNvSpPr>
+            <a:spLocks noGrp="1"/>
+          </p:cNvSpPr>
+          <p:nvPr>
+            <p:ph type="sldNum" sz="quarter" idx="5"/>
+          </p:nvPr>
+        </p:nvSpPr>
+        <p:spPr/>
+        <p:txBody>
+          <a:bodyPr/>
+          <a:lstStyle/>
+          <a:p>
+            <a:fld id="{5A3F4CD4-FD8E-499A-BFCA-957F332377FC}" type="slidenum">
+              <a:rPr lang="en-GB" smtClean="0"/>
+              <a:t>7</a:t>
+            </a:fld>
+            <a:endParaRPr lang="en-GB"/>
+          </a:p>
+        </p:txBody>
+      </p:sp>
+    </p:spTree>
+    <p:extLst>
+      <p:ext uri="{BB962C8B-B14F-4D97-AF65-F5344CB8AC3E}">
+        <p14:creationId xmlns:p14="http://schemas.microsoft.com/office/powerpoint/2010/main" val="935126047"/>
+      </p:ext>
+    </p:extLst>
+  </p:cSld>
+  <p:clrMapOvr>
+    <a:masterClrMapping/>
+  </p:clrMapOvr>
+</p:notes>
+</file>
+
+<file path=ppt/notesSlides/notesSlide3.xml><?xml version="1.0" encoding="utf-8"?>
+<p:notes xmlns:a="http://schemas.openxmlformats.org/drawingml/2006/main" xmlns:r="http://schemas.openxmlformats.org/officeDocument/2006/relationships" xmlns:p="http://schemas.openxmlformats.org/presentationml/2006/main">
+  <p:cSld>
+    <p:spTree>
+      <p:nvGrpSpPr>
+        <p:cNvPr id="1" name=""/>
+        <p:cNvGrpSpPr/>
+        <p:nvPr/>
+      </p:nvGrpSpPr>
+      <p:grpSpPr>
+        <a:xfrm>
+          <a:off x="0" y="0"/>
+          <a:ext cx="0" cy="0"/>
+          <a:chOff x="0" y="0"/>
+          <a:chExt cx="0" cy="0"/>
+        </a:xfrm>
+      </p:grpSpPr>
+      <p:sp>
+        <p:nvSpPr>
+          <p:cNvPr id="2" name="Pladsholder til slidebillede 1"/>
+          <p:cNvSpPr>
+            <a:spLocks noGrp="1" noRot="1" noChangeAspect="1"/>
+          </p:cNvSpPr>
+          <p:nvPr>
+            <p:ph type="sldImg"/>
+          </p:nvPr>
+        </p:nvSpPr>
+        <p:spPr/>
+      </p:sp>
+      <p:sp>
+        <p:nvSpPr>
+          <p:cNvPr id="3" name="Pladsholder til noter 2"/>
+          <p:cNvSpPr>
+            <a:spLocks noGrp="1"/>
+          </p:cNvSpPr>
+          <p:nvPr>
+            <p:ph type="body" idx="1"/>
+          </p:nvPr>
+        </p:nvSpPr>
+        <p:spPr/>
+        <p:txBody>
+          <a:bodyPr/>
+          <a:lstStyle/>
+          <a:p>
+            <a:pPr marL="0" indent="0">
+              <a:buNone/>
+            </a:pPr>
+            <a:r>
+              <a:rPr lang="da-DK" dirty="0"/>
+              <a:t>Klasse, som har flere metoder med samme navn.</a:t>
+            </a:r>
+          </a:p>
+          <a:p>
+            <a:pPr marL="0" indent="0">
+              <a:buNone/>
+            </a:pPr>
+            <a:r>
+              <a:rPr lang="da-DK" dirty="0" err="1"/>
+              <a:t>Overload</a:t>
+            </a:r>
+            <a:r>
+              <a:rPr lang="da-DK" dirty="0"/>
+              <a:t> ved ændring i antallet af parametre eller ændre datatypen.</a:t>
+            </a:r>
+          </a:p>
+          <a:p>
+            <a:pPr marL="0" indent="0">
+              <a:buNone/>
+            </a:pPr>
+            <a:r>
+              <a:rPr lang="da-DK" dirty="0"/>
+              <a:t>Øger forståelse samt læsbarhed af kode</a:t>
+            </a:r>
+          </a:p>
+          <a:p>
+            <a:endParaRPr lang="da-DK" dirty="0"/>
+          </a:p>
+          <a:p>
+            <a:pPr marL="0" indent="0">
+              <a:buNone/>
+            </a:pPr>
+            <a:r>
+              <a:rPr lang="da-DK" dirty="0"/>
+              <a:t>-</a:t>
+            </a:r>
+            <a:r>
+              <a:rPr lang="en-GB" dirty="0"/>
+              <a:t> </a:t>
+            </a:r>
+            <a:r>
+              <a:rPr lang="da-DK" dirty="0"/>
+              <a:t>Subklasse som har samme metode(r) som sin superklasse bliver </a:t>
+            </a:r>
+            <a:r>
+              <a:rPr lang="da-DK" dirty="0" err="1"/>
+              <a:t>overridet</a:t>
+            </a:r>
+            <a:r>
+              <a:rPr lang="da-DK" dirty="0"/>
+              <a:t> i subklassen ved at lave en specifik implementering af den metode, som er lavet i superklassen. </a:t>
+            </a:r>
+          </a:p>
+          <a:p>
+            <a:pPr marL="0" indent="0">
+              <a:buNone/>
+            </a:pPr>
+            <a:r>
+              <a:rPr lang="da-DK" dirty="0"/>
+              <a:t>Metodenavnet skal være det samme</a:t>
+            </a:r>
+          </a:p>
+          <a:p>
+            <a:pPr marL="0" indent="0">
+              <a:buNone/>
+            </a:pPr>
+            <a:r>
+              <a:rPr lang="da-DK" dirty="0"/>
+              <a:t>Metoden skal have samme parametre</a:t>
+            </a:r>
+          </a:p>
+          <a:p>
+            <a:pPr marL="0" indent="0">
+              <a:buNone/>
+            </a:pPr>
+            <a:r>
+              <a:rPr lang="da-DK" dirty="0"/>
+              <a:t>Der skal være en nedarvning</a:t>
+            </a:r>
+          </a:p>
+          <a:p>
+            <a:endParaRPr lang="en-GB" dirty="0"/>
+          </a:p>
+        </p:txBody>
+      </p:sp>
+      <p:sp>
+        <p:nvSpPr>
+          <p:cNvPr id="4" name="Pladsholder til slidenummer 3"/>
+          <p:cNvSpPr>
+            <a:spLocks noGrp="1"/>
+          </p:cNvSpPr>
+          <p:nvPr>
+            <p:ph type="sldNum" sz="quarter" idx="5"/>
+          </p:nvPr>
+        </p:nvSpPr>
+        <p:spPr/>
+        <p:txBody>
+          <a:bodyPr/>
+          <a:lstStyle/>
+          <a:p>
+            <a:fld id="{5A3F4CD4-FD8E-499A-BFCA-957F332377FC}" type="slidenum">
+              <a:rPr lang="en-GB" smtClean="0"/>
+              <a:t>8</a:t>
+            </a:fld>
+            <a:endParaRPr lang="en-GB"/>
+          </a:p>
+        </p:txBody>
+      </p:sp>
+    </p:spTree>
+    <p:extLst>
+      <p:ext uri="{BB962C8B-B14F-4D97-AF65-F5344CB8AC3E}">
+        <p14:creationId xmlns:p14="http://schemas.microsoft.com/office/powerpoint/2010/main" val="3645810890"/>
+      </p:ext>
+    </p:extLst>
+  </p:cSld>
+  <p:clrMapOvr>
+    <a:masterClrMapping/>
+  </p:clrMapOvr>
+</p:notes>
 </file>
 
 <file path=ppt/slideLayouts/slideLayout1.xml><?xml version="1.0" encoding="utf-8"?>
@@ -268,7 +1246,7 @@
           <a:p>
             <a:fld id="{9DACC985-B7B9-C746-8FAB-78AB62ACAF14}" type="datetimeFigureOut">
               <a:rPr lang="da-DK" smtClean="0"/>
-              <a:t>05/01/2019</a:t>
+              <a:t>08-01-2019</a:t>
             </a:fld>
             <a:endParaRPr lang="da-DK"/>
           </a:p>
@@ -466,7 +1444,7 @@
           <a:p>
             <a:fld id="{9DACC985-B7B9-C746-8FAB-78AB62ACAF14}" type="datetimeFigureOut">
               <a:rPr lang="da-DK" smtClean="0"/>
-              <a:t>05/01/2019</a:t>
+              <a:t>08-01-2019</a:t>
             </a:fld>
             <a:endParaRPr lang="da-DK"/>
           </a:p>
@@ -674,7 +1652,7 @@
           <a:p>
             <a:fld id="{9DACC985-B7B9-C746-8FAB-78AB62ACAF14}" type="datetimeFigureOut">
               <a:rPr lang="da-DK" smtClean="0"/>
-              <a:t>05/01/2019</a:t>
+              <a:t>08-01-2019</a:t>
             </a:fld>
             <a:endParaRPr lang="da-DK"/>
           </a:p>
@@ -872,7 +1850,7 @@
           <a:p>
             <a:fld id="{9DACC985-B7B9-C746-8FAB-78AB62ACAF14}" type="datetimeFigureOut">
               <a:rPr lang="da-DK" smtClean="0"/>
-              <a:t>05/01/2019</a:t>
+              <a:t>08-01-2019</a:t>
             </a:fld>
             <a:endParaRPr lang="da-DK"/>
           </a:p>
@@ -1147,7 +2125,7 @@
           <a:p>
             <a:fld id="{9DACC985-B7B9-C746-8FAB-78AB62ACAF14}" type="datetimeFigureOut">
               <a:rPr lang="da-DK" smtClean="0"/>
-              <a:t>05/01/2019</a:t>
+              <a:t>08-01-2019</a:t>
             </a:fld>
             <a:endParaRPr lang="da-DK"/>
           </a:p>
@@ -1412,7 +2390,7 @@
           <a:p>
             <a:fld id="{9DACC985-B7B9-C746-8FAB-78AB62ACAF14}" type="datetimeFigureOut">
               <a:rPr lang="da-DK" smtClean="0"/>
-              <a:t>05/01/2019</a:t>
+              <a:t>08-01-2019</a:t>
             </a:fld>
             <a:endParaRPr lang="da-DK"/>
           </a:p>
@@ -1824,7 +2802,7 @@
           <a:p>
             <a:fld id="{9DACC985-B7B9-C746-8FAB-78AB62ACAF14}" type="datetimeFigureOut">
               <a:rPr lang="da-DK" smtClean="0"/>
-              <a:t>05/01/2019</a:t>
+              <a:t>08-01-2019</a:t>
             </a:fld>
             <a:endParaRPr lang="da-DK"/>
           </a:p>
@@ -1965,7 +2943,7 @@
           <a:p>
             <a:fld id="{9DACC985-B7B9-C746-8FAB-78AB62ACAF14}" type="datetimeFigureOut">
               <a:rPr lang="da-DK" smtClean="0"/>
-              <a:t>05/01/2019</a:t>
+              <a:t>08-01-2019</a:t>
             </a:fld>
             <a:endParaRPr lang="da-DK"/>
           </a:p>
@@ -2078,7 +3056,7 @@
           <a:p>
             <a:fld id="{9DACC985-B7B9-C746-8FAB-78AB62ACAF14}" type="datetimeFigureOut">
               <a:rPr lang="da-DK" smtClean="0"/>
-              <a:t>05/01/2019</a:t>
+              <a:t>08-01-2019</a:t>
             </a:fld>
             <a:endParaRPr lang="da-DK"/>
           </a:p>
@@ -2389,7 +3367,7 @@
           <a:p>
             <a:fld id="{9DACC985-B7B9-C746-8FAB-78AB62ACAF14}" type="datetimeFigureOut">
               <a:rPr lang="da-DK" smtClean="0"/>
-              <a:t>05/01/2019</a:t>
+              <a:t>08-01-2019</a:t>
             </a:fld>
             <a:endParaRPr lang="da-DK"/>
           </a:p>
@@ -2677,7 +3655,7 @@
           <a:p>
             <a:fld id="{9DACC985-B7B9-C746-8FAB-78AB62ACAF14}" type="datetimeFigureOut">
               <a:rPr lang="da-DK" smtClean="0"/>
-              <a:t>05/01/2019</a:t>
+              <a:t>08-01-2019</a:t>
             </a:fld>
             <a:endParaRPr lang="da-DK"/>
           </a:p>
@@ -2918,7 +3896,7 @@
           <a:p>
             <a:fld id="{9DACC985-B7B9-C746-8FAB-78AB62ACAF14}" type="datetimeFigureOut">
               <a:rPr lang="da-DK" smtClean="0"/>
-              <a:t>05/01/2019</a:t>
+              <a:t>08-01-2019</a:t>
             </a:fld>
             <a:endParaRPr lang="da-DK"/>
           </a:p>
@@ -3434,298 +4412,6 @@
           <p:cNvPr id="2" name="Titel 1">
             <a:extLst>
               <a:ext uri="{FF2B5EF4-FFF2-40B4-BE49-F238E27FC236}">
-                <a16:creationId xmlns:a16="http://schemas.microsoft.com/office/drawing/2014/main" id="{969CCD91-08E7-9942-8481-8F42CB208FB6}"/>
-              </a:ext>
-            </a:extLst>
-          </p:cNvPr>
-          <p:cNvSpPr>
-            <a:spLocks noGrp="1"/>
-          </p:cNvSpPr>
-          <p:nvPr>
-            <p:ph type="title"/>
-          </p:nvPr>
-        </p:nvSpPr>
-        <p:spPr/>
-        <p:txBody>
-          <a:bodyPr/>
-          <a:lstStyle/>
-          <a:p>
-            <a:r>
-              <a:rPr lang="da-DK" dirty="0" err="1"/>
-              <a:t>Polymorphism</a:t>
-            </a:r>
-            <a:r>
-              <a:rPr lang="da-DK" dirty="0"/>
-              <a:t>	</a:t>
-            </a:r>
-          </a:p>
-        </p:txBody>
-      </p:sp>
-      <p:sp>
-        <p:nvSpPr>
-          <p:cNvPr id="3" name="Pladsholder til indhold 2">
-            <a:extLst>
-              <a:ext uri="{FF2B5EF4-FFF2-40B4-BE49-F238E27FC236}">
-                <a16:creationId xmlns:a16="http://schemas.microsoft.com/office/drawing/2014/main" id="{E70417F1-CE73-DB46-97A6-7C6587CCD8A7}"/>
-              </a:ext>
-            </a:extLst>
-          </p:cNvPr>
-          <p:cNvSpPr>
-            <a:spLocks noGrp="1"/>
-          </p:cNvSpPr>
-          <p:nvPr>
-            <p:ph idx="1"/>
-          </p:nvPr>
-        </p:nvSpPr>
-        <p:spPr>
-          <a:xfrm>
-            <a:off x="838200" y="1282699"/>
-            <a:ext cx="10515600" cy="5446713"/>
-          </a:xfrm>
-        </p:spPr>
-        <p:txBody>
-          <a:bodyPr/>
-          <a:lstStyle/>
-          <a:p>
-            <a:r>
-              <a:rPr lang="da-DK" dirty="0"/>
-              <a:t>Udføre en action på flere måder; </a:t>
-            </a:r>
-            <a:r>
-              <a:rPr lang="da-DK" dirty="0" err="1"/>
-              <a:t>poly</a:t>
-            </a:r>
-            <a:r>
-              <a:rPr lang="da-DK" dirty="0"/>
-              <a:t> = mange, </a:t>
-            </a:r>
-            <a:r>
-              <a:rPr lang="da-DK" dirty="0" err="1"/>
-              <a:t>morph</a:t>
-            </a:r>
-            <a:r>
-              <a:rPr lang="da-DK" dirty="0"/>
-              <a:t> = former.</a:t>
-            </a:r>
-          </a:p>
-          <a:p>
-            <a:endParaRPr lang="da-DK" dirty="0"/>
-          </a:p>
-          <a:p>
-            <a:r>
-              <a:rPr lang="da-DK" dirty="0"/>
-              <a:t>Method </a:t>
-            </a:r>
-            <a:r>
-              <a:rPr lang="da-DK" dirty="0" err="1"/>
-              <a:t>overloading</a:t>
-            </a:r>
-            <a:endParaRPr lang="da-DK" dirty="0"/>
-          </a:p>
-          <a:p>
-            <a:pPr marL="0" indent="0">
-              <a:buNone/>
-            </a:pPr>
-            <a:r>
-              <a:rPr lang="da-DK" dirty="0"/>
-              <a:t>Klasse, som har flere metoder med samme navn.</a:t>
-            </a:r>
-          </a:p>
-          <a:p>
-            <a:pPr marL="0" indent="0">
-              <a:buNone/>
-            </a:pPr>
-            <a:r>
-              <a:rPr lang="da-DK" dirty="0"/>
-              <a:t>Overload ved ændring i antallet af parametre eller ændre datatypen.</a:t>
-            </a:r>
-          </a:p>
-          <a:p>
-            <a:pPr marL="0" indent="0">
-              <a:buNone/>
-            </a:pPr>
-            <a:r>
-              <a:rPr lang="da-DK" dirty="0"/>
-              <a:t>Øger forståelse samt læsbarhed af kode</a:t>
-            </a:r>
-          </a:p>
-          <a:p>
-            <a:endParaRPr lang="da-DK" dirty="0"/>
-          </a:p>
-        </p:txBody>
-      </p:sp>
-    </p:spTree>
-    <p:extLst>
-      <p:ext uri="{BB962C8B-B14F-4D97-AF65-F5344CB8AC3E}">
-        <p14:creationId xmlns:p14="http://schemas.microsoft.com/office/powerpoint/2010/main" val="2268625577"/>
-      </p:ext>
-    </p:extLst>
-  </p:cSld>
-  <p:clrMapOvr>
-    <a:masterClrMapping/>
-  </p:clrMapOvr>
-</p:sld>
-</file>
-
-<file path=ppt/slides/slide11.xml><?xml version="1.0" encoding="utf-8"?>
-<p:sld xmlns:a="http://schemas.openxmlformats.org/drawingml/2006/main" xmlns:r="http://schemas.openxmlformats.org/officeDocument/2006/relationships" xmlns:p="http://schemas.openxmlformats.org/presentationml/2006/main">
-  <p:cSld>
-    <p:spTree>
-      <p:nvGrpSpPr>
-        <p:cNvPr id="1" name=""/>
-        <p:cNvGrpSpPr/>
-        <p:nvPr/>
-      </p:nvGrpSpPr>
-      <p:grpSpPr>
-        <a:xfrm>
-          <a:off x="0" y="0"/>
-          <a:ext cx="0" cy="0"/>
-          <a:chOff x="0" y="0"/>
-          <a:chExt cx="0" cy="0"/>
-        </a:xfrm>
-      </p:grpSpPr>
-      <p:sp>
-        <p:nvSpPr>
-          <p:cNvPr id="2" name="Titel 1">
-            <a:extLst>
-              <a:ext uri="{FF2B5EF4-FFF2-40B4-BE49-F238E27FC236}">
-                <a16:creationId xmlns:a16="http://schemas.microsoft.com/office/drawing/2014/main" id="{4DC0EE7D-EEFA-FD4B-8D15-14545C7541F2}"/>
-              </a:ext>
-            </a:extLst>
-          </p:cNvPr>
-          <p:cNvSpPr>
-            <a:spLocks noGrp="1"/>
-          </p:cNvSpPr>
-          <p:nvPr>
-            <p:ph type="title"/>
-          </p:nvPr>
-        </p:nvSpPr>
-        <p:spPr/>
-        <p:txBody>
-          <a:bodyPr/>
-          <a:lstStyle/>
-          <a:p>
-            <a:endParaRPr lang="da-DK"/>
-          </a:p>
-        </p:txBody>
-      </p:sp>
-      <p:sp>
-        <p:nvSpPr>
-          <p:cNvPr id="3" name="Pladsholder til indhold 2">
-            <a:extLst>
-              <a:ext uri="{FF2B5EF4-FFF2-40B4-BE49-F238E27FC236}">
-                <a16:creationId xmlns:a16="http://schemas.microsoft.com/office/drawing/2014/main" id="{E114B338-2761-A94B-9719-01F80737B5E3}"/>
-              </a:ext>
-            </a:extLst>
-          </p:cNvPr>
-          <p:cNvSpPr>
-            <a:spLocks noGrp="1"/>
-          </p:cNvSpPr>
-          <p:nvPr>
-            <p:ph idx="1"/>
-          </p:nvPr>
-        </p:nvSpPr>
-        <p:spPr/>
-        <p:txBody>
-          <a:bodyPr/>
-          <a:lstStyle/>
-          <a:p>
-            <a:r>
-              <a:rPr lang="da-DK" dirty="0"/>
-              <a:t>Method </a:t>
-            </a:r>
-            <a:r>
-              <a:rPr lang="da-DK" dirty="0" err="1"/>
-              <a:t>overriding</a:t>
-            </a:r>
-            <a:endParaRPr lang="da-DK" dirty="0"/>
-          </a:p>
-          <a:p>
-            <a:pPr marL="0" indent="0">
-              <a:buNone/>
-            </a:pPr>
-            <a:r>
-              <a:rPr lang="da-DK" dirty="0"/>
-              <a:t>Subklasse som har samme metode(r) som sin superklasse bliver </a:t>
-            </a:r>
-            <a:r>
-              <a:rPr lang="da-DK" dirty="0" err="1"/>
-              <a:t>overridet</a:t>
-            </a:r>
-            <a:r>
-              <a:rPr lang="da-DK" dirty="0"/>
-              <a:t> i subklassen ved at lave en specifik implementering af den metode, som er lavet i superklassen. </a:t>
-            </a:r>
-          </a:p>
-          <a:p>
-            <a:pPr marL="0" indent="0">
-              <a:buNone/>
-            </a:pPr>
-            <a:r>
-              <a:rPr lang="da-DK" dirty="0"/>
-              <a:t>Metodenavnet skal være det samme</a:t>
-            </a:r>
-          </a:p>
-          <a:p>
-            <a:pPr marL="0" indent="0">
-              <a:buNone/>
-            </a:pPr>
-            <a:r>
-              <a:rPr lang="da-DK" dirty="0"/>
-              <a:t>Metoden skal have samme parametre</a:t>
-            </a:r>
-          </a:p>
-          <a:p>
-            <a:pPr marL="0" indent="0">
-              <a:buNone/>
-            </a:pPr>
-            <a:r>
-              <a:rPr lang="da-DK" dirty="0"/>
-              <a:t>Der skal være en </a:t>
-            </a:r>
-            <a:r>
-              <a:rPr lang="da-DK" dirty="0" err="1"/>
-              <a:t>nedarvning</a:t>
-            </a:r>
-            <a:endParaRPr lang="da-DK" dirty="0"/>
-          </a:p>
-        </p:txBody>
-      </p:sp>
-    </p:spTree>
-    <p:extLst>
-      <p:ext uri="{BB962C8B-B14F-4D97-AF65-F5344CB8AC3E}">
-        <p14:creationId xmlns:p14="http://schemas.microsoft.com/office/powerpoint/2010/main" val="3373325766"/>
-      </p:ext>
-    </p:extLst>
-  </p:cSld>
-  <p:clrMapOvr>
-    <a:masterClrMapping/>
-  </p:clrMapOvr>
-</p:sld>
-</file>
-
-<file path=ppt/slides/slide12.xml><?xml version="1.0" encoding="utf-8"?>
-<p:sld xmlns:a="http://schemas.openxmlformats.org/drawingml/2006/main" xmlns:r="http://schemas.openxmlformats.org/officeDocument/2006/relationships" xmlns:p="http://schemas.openxmlformats.org/presentationml/2006/main">
-  <p:cSld>
-    <p:spTree>
-      <p:nvGrpSpPr>
-        <p:cNvPr id="1" name=""/>
-        <p:cNvGrpSpPr/>
-        <p:nvPr/>
-      </p:nvGrpSpPr>
-      <p:grpSpPr>
-        <a:xfrm>
-          <a:off x="0" y="0"/>
-          <a:ext cx="0" cy="0"/>
-          <a:chOff x="0" y="0"/>
-          <a:chExt cx="0" cy="0"/>
-        </a:xfrm>
-      </p:grpSpPr>
-      <p:sp>
-        <p:nvSpPr>
-          <p:cNvPr id="2" name="Titel 1">
-            <a:extLst>
-              <a:ext uri="{FF2B5EF4-FFF2-40B4-BE49-F238E27FC236}">
                 <a16:creationId xmlns:a16="http://schemas.microsoft.com/office/drawing/2014/main" id="{C0B27D2F-ECD7-9948-B747-CE489A1F5F72}"/>
               </a:ext>
             </a:extLst>
@@ -3829,7 +4515,7 @@
 </p:sld>
 </file>
 
-<file path=ppt/slides/slide13.xml><?xml version="1.0" encoding="utf-8"?>
+<file path=ppt/slides/slide11.xml><?xml version="1.0" encoding="utf-8"?>
 <p:sld xmlns:a="http://schemas.openxmlformats.org/drawingml/2006/main" xmlns:r="http://schemas.openxmlformats.org/officeDocument/2006/relationships" xmlns:p="http://schemas.openxmlformats.org/presentationml/2006/main">
   <p:cSld>
     <p:spTree>
@@ -3851,270 +4537,6 @@
           <p:cNvPr id="2" name="Titel 1">
             <a:extLst>
               <a:ext uri="{FF2B5EF4-FFF2-40B4-BE49-F238E27FC236}">
-                <a16:creationId xmlns:a16="http://schemas.microsoft.com/office/drawing/2014/main" id="{BB86FED2-0340-F046-A5AA-B894BB595A6C}"/>
-              </a:ext>
-            </a:extLst>
-          </p:cNvPr>
-          <p:cNvSpPr>
-            <a:spLocks noGrp="1"/>
-          </p:cNvSpPr>
-          <p:nvPr>
-            <p:ph type="title"/>
-          </p:nvPr>
-        </p:nvSpPr>
-        <p:spPr/>
-        <p:txBody>
-          <a:bodyPr/>
-          <a:lstStyle/>
-          <a:p>
-            <a:endParaRPr lang="da-DK"/>
-          </a:p>
-        </p:txBody>
-      </p:sp>
-      <p:sp>
-        <p:nvSpPr>
-          <p:cNvPr id="3" name="Pladsholder til indhold 2">
-            <a:extLst>
-              <a:ext uri="{FF2B5EF4-FFF2-40B4-BE49-F238E27FC236}">
-                <a16:creationId xmlns:a16="http://schemas.microsoft.com/office/drawing/2014/main" id="{91D9B6DF-8231-5047-ADF0-168ED2D787AE}"/>
-              </a:ext>
-            </a:extLst>
-          </p:cNvPr>
-          <p:cNvSpPr>
-            <a:spLocks noGrp="1"/>
-          </p:cNvSpPr>
-          <p:nvPr>
-            <p:ph idx="1"/>
-          </p:nvPr>
-        </p:nvSpPr>
-        <p:spPr/>
-        <p:txBody>
-          <a:bodyPr/>
-          <a:lstStyle/>
-          <a:p>
-            <a:r>
-              <a:rPr lang="da-DK" dirty="0" err="1"/>
-              <a:t>Keyword</a:t>
-            </a:r>
-            <a:r>
-              <a:rPr lang="da-DK" dirty="0"/>
-              <a:t> super: bruges af subklassen, når der omgående skal kaldes på noget, f.eks. </a:t>
-            </a:r>
-            <a:r>
-              <a:rPr lang="da-DK" dirty="0" err="1"/>
-              <a:t>constructoren</a:t>
-            </a:r>
-            <a:r>
-              <a:rPr lang="da-DK" dirty="0"/>
-              <a:t> fra vores tidligere slide.</a:t>
-            </a:r>
-          </a:p>
-          <a:p>
-            <a:endParaRPr lang="da-DK" dirty="0"/>
-          </a:p>
-          <a:p>
-            <a:r>
-              <a:rPr lang="da-DK" dirty="0"/>
-              <a:t>2 slags </a:t>
-            </a:r>
-            <a:r>
-              <a:rPr lang="da-DK" dirty="0" err="1"/>
-              <a:t>polymorphism</a:t>
-            </a:r>
-            <a:endParaRPr lang="da-DK" dirty="0"/>
-          </a:p>
-          <a:p>
-            <a:r>
-              <a:rPr lang="da-DK" dirty="0" err="1"/>
-              <a:t>Compile</a:t>
-            </a:r>
-            <a:r>
-              <a:rPr lang="da-DK" dirty="0"/>
-              <a:t> time – overloader noget, ændrer parametre etc. Sker inden programmet kører.</a:t>
-            </a:r>
-          </a:p>
-          <a:p>
-            <a:r>
-              <a:rPr lang="da-DK" dirty="0"/>
-              <a:t>Run time – overrider en metode etc. Sker når programmet kører.</a:t>
-            </a:r>
-          </a:p>
-          <a:p>
-            <a:endParaRPr lang="da-DK" dirty="0"/>
-          </a:p>
-        </p:txBody>
-      </p:sp>
-    </p:spTree>
-    <p:extLst>
-      <p:ext uri="{BB962C8B-B14F-4D97-AF65-F5344CB8AC3E}">
-        <p14:creationId xmlns:p14="http://schemas.microsoft.com/office/powerpoint/2010/main" val="585539791"/>
-      </p:ext>
-    </p:extLst>
-  </p:cSld>
-  <p:clrMapOvr>
-    <a:masterClrMapping/>
-  </p:clrMapOvr>
-</p:sld>
-</file>
-
-<file path=ppt/slides/slide14.xml><?xml version="1.0" encoding="utf-8"?>
-<p:sld xmlns:a="http://schemas.openxmlformats.org/drawingml/2006/main" xmlns:r="http://schemas.openxmlformats.org/officeDocument/2006/relationships" xmlns:p="http://schemas.openxmlformats.org/presentationml/2006/main">
-  <p:cSld>
-    <p:spTree>
-      <p:nvGrpSpPr>
-        <p:cNvPr id="1" name=""/>
-        <p:cNvGrpSpPr/>
-        <p:nvPr/>
-      </p:nvGrpSpPr>
-      <p:grpSpPr>
-        <a:xfrm>
-          <a:off x="0" y="0"/>
-          <a:ext cx="0" cy="0"/>
-          <a:chOff x="0" y="0"/>
-          <a:chExt cx="0" cy="0"/>
-        </a:xfrm>
-      </p:grpSpPr>
-      <p:sp>
-        <p:nvSpPr>
-          <p:cNvPr id="2" name="Titel 1">
-            <a:extLst>
-              <a:ext uri="{FF2B5EF4-FFF2-40B4-BE49-F238E27FC236}">
-                <a16:creationId xmlns:a16="http://schemas.microsoft.com/office/drawing/2014/main" id="{04EBD38E-F2D9-274F-AFAF-74622B0B2EE9}"/>
-              </a:ext>
-            </a:extLst>
-          </p:cNvPr>
-          <p:cNvSpPr>
-            <a:spLocks noGrp="1"/>
-          </p:cNvSpPr>
-          <p:nvPr>
-            <p:ph type="title"/>
-          </p:nvPr>
-        </p:nvSpPr>
-        <p:spPr/>
-        <p:txBody>
-          <a:bodyPr/>
-          <a:lstStyle/>
-          <a:p>
-            <a:r>
-              <a:rPr lang="da-DK" dirty="0" err="1"/>
-              <a:t>Inheritance</a:t>
-            </a:r>
-            <a:r>
-              <a:rPr lang="da-DK" dirty="0"/>
-              <a:t>	</a:t>
-            </a:r>
-          </a:p>
-        </p:txBody>
-      </p:sp>
-      <p:sp>
-        <p:nvSpPr>
-          <p:cNvPr id="3" name="Pladsholder til indhold 2">
-            <a:extLst>
-              <a:ext uri="{FF2B5EF4-FFF2-40B4-BE49-F238E27FC236}">
-                <a16:creationId xmlns:a16="http://schemas.microsoft.com/office/drawing/2014/main" id="{9D12A8D5-51C8-DF4A-9BD0-6B0F1503EFD0}"/>
-              </a:ext>
-            </a:extLst>
-          </p:cNvPr>
-          <p:cNvSpPr>
-            <a:spLocks noGrp="1"/>
-          </p:cNvSpPr>
-          <p:nvPr>
-            <p:ph idx="1"/>
-          </p:nvPr>
-        </p:nvSpPr>
-        <p:spPr/>
-        <p:txBody>
-          <a:bodyPr/>
-          <a:lstStyle/>
-          <a:p>
-            <a:r>
-              <a:rPr lang="da-DK" dirty="0"/>
-              <a:t>Processen hvor en klasse nedarver metoder, </a:t>
-            </a:r>
-            <a:r>
-              <a:rPr lang="da-DK" dirty="0" err="1"/>
-              <a:t>fields</a:t>
-            </a:r>
-            <a:r>
-              <a:rPr lang="da-DK" dirty="0"/>
-              <a:t> fra en anden klasse.</a:t>
-            </a:r>
-          </a:p>
-          <a:p>
-            <a:r>
-              <a:rPr lang="da-DK" dirty="0" err="1"/>
-              <a:t>Extend</a:t>
-            </a:r>
-            <a:r>
-              <a:rPr lang="da-DK" dirty="0"/>
-              <a:t> – </a:t>
-            </a:r>
-            <a:r>
-              <a:rPr lang="da-DK" dirty="0" err="1"/>
-              <a:t>keyword</a:t>
-            </a:r>
-            <a:r>
-              <a:rPr lang="da-DK" dirty="0"/>
-              <a:t> som bruges til at nedarve metoder, </a:t>
-            </a:r>
-            <a:r>
-              <a:rPr lang="da-DK" dirty="0" err="1"/>
-              <a:t>fields</a:t>
-            </a:r>
-            <a:r>
-              <a:rPr lang="da-DK" dirty="0"/>
-              <a:t> mm. </a:t>
-            </a:r>
-          </a:p>
-          <a:p>
-            <a:r>
-              <a:rPr lang="da-DK" dirty="0"/>
-              <a:t>Subklasse er klassen, som nedarver fra den anden klasse</a:t>
-            </a:r>
-          </a:p>
-          <a:p>
-            <a:r>
-              <a:rPr lang="da-DK" dirty="0"/>
-              <a:t>Superklasse er klassen, som lader sig nedarve fra</a:t>
-            </a:r>
-          </a:p>
-        </p:txBody>
-      </p:sp>
-    </p:spTree>
-    <p:extLst>
-      <p:ext uri="{BB962C8B-B14F-4D97-AF65-F5344CB8AC3E}">
-        <p14:creationId xmlns:p14="http://schemas.microsoft.com/office/powerpoint/2010/main" val="2811630935"/>
-      </p:ext>
-    </p:extLst>
-  </p:cSld>
-  <p:clrMapOvr>
-    <a:masterClrMapping/>
-  </p:clrMapOvr>
-</p:sld>
-</file>
-
-<file path=ppt/slides/slide15.xml><?xml version="1.0" encoding="utf-8"?>
-<p:sld xmlns:a="http://schemas.openxmlformats.org/drawingml/2006/main" xmlns:r="http://schemas.openxmlformats.org/officeDocument/2006/relationships" xmlns:p="http://schemas.openxmlformats.org/presentationml/2006/main">
-  <p:cSld>
-    <p:spTree>
-      <p:nvGrpSpPr>
-        <p:cNvPr id="1" name=""/>
-        <p:cNvGrpSpPr/>
-        <p:nvPr/>
-      </p:nvGrpSpPr>
-      <p:grpSpPr>
-        <a:xfrm>
-          <a:off x="0" y="0"/>
-          <a:ext cx="0" cy="0"/>
-          <a:chOff x="0" y="0"/>
-          <a:chExt cx="0" cy="0"/>
-        </a:xfrm>
-      </p:grpSpPr>
-      <p:sp>
-        <p:nvSpPr>
-          <p:cNvPr id="2" name="Titel 1">
-            <a:extLst>
-              <a:ext uri="{FF2B5EF4-FFF2-40B4-BE49-F238E27FC236}">
                 <a16:creationId xmlns:a16="http://schemas.microsoft.com/office/drawing/2014/main" id="{3B6BDCEF-3B49-E14A-914B-4775EB84E5C3}"/>
               </a:ext>
             </a:extLst>
@@ -4161,40 +4583,6 @@
           <a:lstStyle/>
           <a:p>
             <a:r>
-              <a:rPr lang="da-DK" dirty="0" err="1"/>
-              <a:t>Enkapsulere</a:t>
-            </a:r>
-            <a:r>
-              <a:rPr lang="da-DK" dirty="0"/>
-              <a:t> ens data ved brug af </a:t>
-            </a:r>
-            <a:r>
-              <a:rPr lang="da-DK" dirty="0" err="1"/>
-              <a:t>access</a:t>
-            </a:r>
-            <a:r>
-              <a:rPr lang="da-DK" dirty="0"/>
-              <a:t> </a:t>
-            </a:r>
-            <a:r>
-              <a:rPr lang="da-DK" dirty="0" err="1"/>
-              <a:t>modifiers</a:t>
-            </a:r>
-            <a:r>
-              <a:rPr lang="da-DK" dirty="0"/>
-              <a:t>, som </a:t>
-            </a:r>
-            <a:r>
-              <a:rPr lang="da-DK" dirty="0" err="1"/>
-              <a:t>java</a:t>
-            </a:r>
-            <a:r>
-              <a:rPr lang="da-DK" dirty="0"/>
-              <a:t> tilbyder.</a:t>
-            </a:r>
-          </a:p>
-          <a:p>
-            <a:r>
               <a:rPr lang="da-DK" dirty="0"/>
               <a:t>Private</a:t>
             </a:r>
@@ -4214,12 +4602,60 @@
           </a:p>
           <a:p>
             <a:r>
-              <a:rPr lang="da-DK"/>
+              <a:rPr lang="da-DK" dirty="0"/>
               <a:t>Package</a:t>
             </a:r>
-          </a:p>
-        </p:txBody>
-      </p:sp>
+            <a:endParaRPr lang="da-DK" b="1" dirty="0"/>
+          </a:p>
+        </p:txBody>
+      </p:sp>
+      <p:pic>
+        <p:nvPicPr>
+          <p:cNvPr id="1026" name="Picture 2" descr="https://lh4.googleusercontent.com/N7A5O3cWYrqKaz_xNUMT-t2WAHSYX9EnB-79i3KBwlhhE8FBwZYoxxsumUbpL-1rsre1HLsJM8HdNWd0k0aTGCDdax-tyiy0oR-Y3whzHiY0Ycn7HtLjP_JEEr0C8KAk0ZAou21c">
+            <a:extLst>
+              <a:ext uri="{FF2B5EF4-FFF2-40B4-BE49-F238E27FC236}">
+                <a16:creationId xmlns:a16="http://schemas.microsoft.com/office/drawing/2014/main" id="{0EB9C078-C92B-4E43-BFDB-081116CFDA9D}"/>
+              </a:ext>
+            </a:extLst>
+          </p:cNvPr>
+          <p:cNvPicPr>
+            <a:picLocks noChangeAspect="1" noChangeArrowheads="1"/>
+          </p:cNvPicPr>
+          <p:nvPr/>
+        </p:nvPicPr>
+        <p:blipFill>
+          <a:blip r:embed="rId2">
+            <a:extLst>
+              <a:ext uri="{28A0092B-C50C-407E-A947-70E740481C1C}">
+                <a14:useLocalDpi xmlns:a14="http://schemas.microsoft.com/office/drawing/2010/main" val="0"/>
+              </a:ext>
+            </a:extLst>
+          </a:blip>
+          <a:srcRect/>
+          <a:stretch>
+            <a:fillRect/>
+          </a:stretch>
+        </p:blipFill>
+        <p:spPr bwMode="auto">
+          <a:xfrm>
+            <a:off x="5619750" y="1867694"/>
+            <a:ext cx="5734050" cy="2133600"/>
+          </a:xfrm>
+          <a:prstGeom prst="rect">
+            <a:avLst/>
+          </a:prstGeom>
+          <a:noFill/>
+          <a:extLst>
+            <a:ext uri="{909E8E84-426E-40DD-AFC4-6F175D3DCCD1}">
+              <a14:hiddenFill xmlns:a14="http://schemas.microsoft.com/office/drawing/2010/main">
+                <a:solidFill>
+                  <a:srgbClr val="FFFFFF"/>
+                </a:solidFill>
+              </a14:hiddenFill>
+            </a:ext>
+          </a:extLst>
+        </p:spPr>
+      </p:pic>
     </p:spTree>
     <p:extLst>
       <p:ext uri="{BB962C8B-B14F-4D97-AF65-F5344CB8AC3E}">
@@ -4273,7 +4709,7 @@
           <a:p>
             <a:r>
               <a:rPr lang="da-DK" dirty="0"/>
-              <a:t>Udvalgt 4 emner inden for OOP	</a:t>
+              <a:t>A.P.I.E</a:t>
             </a:r>
           </a:p>
         </p:txBody>
@@ -4437,28 +4873,19 @@
           <a:p>
             <a:r>
               <a:rPr lang="da-DK" dirty="0"/>
-              <a:t>Skjuler </a:t>
-            </a:r>
-            <a:r>
-              <a:rPr lang="da-DK" dirty="0" err="1"/>
-              <a:t>kompleksivitet</a:t>
-            </a:r>
-            <a:endParaRPr lang="da-DK" dirty="0"/>
+              <a:t>Skjuler kompleksitet</a:t>
+            </a:r>
           </a:p>
           <a:p>
             <a:r>
               <a:rPr lang="da-DK" dirty="0"/>
-              <a:t>Brugeren skal kun kende input, output og beskrivelse</a:t>
-            </a:r>
-          </a:p>
-          <a:p>
-            <a:r>
-              <a:rPr lang="da-DK" dirty="0" err="1"/>
-              <a:t>E.g</a:t>
-            </a:r>
+              <a:t>Input, output og beskrivelse</a:t>
+            </a:r>
+          </a:p>
+          <a:p>
             <a:r>
               <a:rPr lang="da-DK" dirty="0"/>
-              <a:t>. når en bruger benytter sin bil og trykker på speederen, så ved han/hun blot, at farten øges men ikke nødvendigvis hvordan eller hvorfor.</a:t>
+              <a:t>Bil analogi</a:t>
             </a:r>
           </a:p>
           <a:p>
@@ -4650,160 +5077,6 @@
           </a:bodyPr>
           <a:lstStyle/>
           <a:p>
-            <a:r>
-              <a:rPr lang="en-US" sz="2000" dirty="0" err="1">
-                <a:solidFill>
-                  <a:schemeClr val="bg1"/>
-                </a:solidFill>
-              </a:rPr>
-              <a:t>Vores</a:t>
-            </a:r>
-            <a:r>
-              <a:rPr lang="en-US" sz="2000" dirty="0">
-                <a:solidFill>
-                  <a:schemeClr val="bg1"/>
-                </a:solidFill>
-              </a:rPr>
-              <a:t> </a:t>
-            </a:r>
-            <a:r>
-              <a:rPr lang="en-US" sz="2000" dirty="0" err="1">
-                <a:solidFill>
-                  <a:schemeClr val="bg1"/>
-                </a:solidFill>
-              </a:rPr>
-              <a:t>abstrakte</a:t>
-            </a:r>
-            <a:r>
-              <a:rPr lang="en-US" sz="2000" dirty="0">
-                <a:solidFill>
-                  <a:schemeClr val="bg1"/>
-                </a:solidFill>
-              </a:rPr>
-              <a:t> </a:t>
-            </a:r>
-            <a:r>
-              <a:rPr lang="en-US" sz="2000" dirty="0" err="1">
-                <a:solidFill>
-                  <a:schemeClr val="bg1"/>
-                </a:solidFill>
-              </a:rPr>
-              <a:t>klasse</a:t>
-            </a:r>
-            <a:r>
-              <a:rPr lang="en-US" sz="2000" dirty="0">
-                <a:solidFill>
-                  <a:schemeClr val="bg1"/>
-                </a:solidFill>
-              </a:rPr>
-              <a:t> ‘shape’ </a:t>
-            </a:r>
-            <a:r>
-              <a:rPr lang="en-US" sz="2000" dirty="0" err="1">
-                <a:solidFill>
-                  <a:schemeClr val="bg1"/>
-                </a:solidFill>
-              </a:rPr>
-              <a:t>ses</a:t>
-            </a:r>
-            <a:r>
-              <a:rPr lang="en-US" sz="2000" dirty="0">
-                <a:solidFill>
-                  <a:schemeClr val="bg1"/>
-                </a:solidFill>
-              </a:rPr>
-              <a:t> </a:t>
-            </a:r>
-            <a:r>
-              <a:rPr lang="en-US" sz="2000" dirty="0" err="1">
-                <a:solidFill>
-                  <a:schemeClr val="bg1"/>
-                </a:solidFill>
-              </a:rPr>
-              <a:t>til</a:t>
-            </a:r>
-            <a:r>
-              <a:rPr lang="en-US" sz="2000" dirty="0">
-                <a:solidFill>
-                  <a:schemeClr val="bg1"/>
-                </a:solidFill>
-              </a:rPr>
-              <a:t> </a:t>
-            </a:r>
-            <a:r>
-              <a:rPr lang="en-US" sz="2000" dirty="0" err="1">
-                <a:solidFill>
-                  <a:schemeClr val="bg1"/>
-                </a:solidFill>
-              </a:rPr>
-              <a:t>højre</a:t>
-            </a:r>
-            <a:r>
-              <a:rPr lang="en-US" sz="2000" dirty="0">
-                <a:solidFill>
-                  <a:schemeClr val="bg1"/>
-                </a:solidFill>
-              </a:rPr>
-              <a:t>. </a:t>
-            </a:r>
-          </a:p>
-          <a:p>
-            <a:r>
-              <a:rPr lang="en-US" sz="2000" dirty="0" err="1">
-                <a:solidFill>
-                  <a:schemeClr val="bg1"/>
-                </a:solidFill>
-              </a:rPr>
-              <a:t>Besidder</a:t>
-            </a:r>
-            <a:r>
-              <a:rPr lang="en-US" sz="2000" dirty="0">
-                <a:solidFill>
-                  <a:schemeClr val="bg1"/>
-                </a:solidFill>
-              </a:rPr>
-              <a:t> </a:t>
-            </a:r>
-            <a:r>
-              <a:rPr lang="da-DK" sz="2000" dirty="0">
-                <a:solidFill>
-                  <a:schemeClr val="bg1"/>
-                </a:solidFill>
-              </a:rPr>
-              <a:t>ét </a:t>
-            </a:r>
-            <a:r>
-              <a:rPr lang="da-DK" sz="2000" dirty="0" err="1">
-                <a:solidFill>
-                  <a:schemeClr val="bg1"/>
-                </a:solidFill>
-              </a:rPr>
-              <a:t>field</a:t>
-            </a:r>
-            <a:r>
-              <a:rPr lang="da-DK" sz="2000" dirty="0">
-                <a:solidFill>
-                  <a:schemeClr val="bg1"/>
-                </a:solidFill>
-              </a:rPr>
-              <a:t>, farve, vores </a:t>
-            </a:r>
-            <a:r>
-              <a:rPr lang="da-DK" sz="2000" dirty="0" err="1">
-                <a:solidFill>
-                  <a:schemeClr val="bg1"/>
-                </a:solidFill>
-              </a:rPr>
-              <a:t>constructor</a:t>
-            </a:r>
-            <a:r>
-              <a:rPr lang="da-DK" sz="2000" dirty="0">
-                <a:solidFill>
-                  <a:schemeClr val="bg1"/>
-                </a:solidFill>
-              </a:rPr>
-              <a:t>, som definerer farven og to abstrakte metoder, som henter arealet fra vores figur samt ‘tegner’ det ud til vores konsol.</a:t>
-            </a:r>
             <a:endParaRPr lang="en-US" sz="2000" dirty="0">
               <a:solidFill>
                 <a:schemeClr val="bg1"/>
@@ -5342,123 +5615,6 @@
 <file path=ppt/slides/slide7.xml><?xml version="1.0" encoding="utf-8"?>
 <p:sld xmlns:a="http://schemas.openxmlformats.org/drawingml/2006/main" xmlns:r="http://schemas.openxmlformats.org/officeDocument/2006/relationships" xmlns:p="http://schemas.openxmlformats.org/presentationml/2006/main">
   <p:cSld>
-    <p:spTree>
-      <p:nvGrpSpPr>
-        <p:cNvPr id="1" name=""/>
-        <p:cNvGrpSpPr/>
-        <p:nvPr/>
-      </p:nvGrpSpPr>
-      <p:grpSpPr>
-        <a:xfrm>
-          <a:off x="0" y="0"/>
-          <a:ext cx="0" cy="0"/>
-          <a:chOff x="0" y="0"/>
-          <a:chExt cx="0" cy="0"/>
-        </a:xfrm>
-      </p:grpSpPr>
-      <p:sp>
-        <p:nvSpPr>
-          <p:cNvPr id="2" name="Titel 1">
-            <a:extLst>
-              <a:ext uri="{FF2B5EF4-FFF2-40B4-BE49-F238E27FC236}">
-                <a16:creationId xmlns:a16="http://schemas.microsoft.com/office/drawing/2014/main" id="{01F6E92C-352A-5848-A399-F082B53BA996}"/>
-              </a:ext>
-            </a:extLst>
-          </p:cNvPr>
-          <p:cNvSpPr>
-            <a:spLocks noGrp="1"/>
-          </p:cNvSpPr>
-          <p:nvPr>
-            <p:ph type="title"/>
-          </p:nvPr>
-        </p:nvSpPr>
-        <p:spPr/>
-        <p:txBody>
-          <a:bodyPr/>
-          <a:lstStyle/>
-          <a:p>
-            <a:endParaRPr lang="da-DK"/>
-          </a:p>
-        </p:txBody>
-      </p:sp>
-      <p:sp>
-        <p:nvSpPr>
-          <p:cNvPr id="3" name="Pladsholder til indhold 2">
-            <a:extLst>
-              <a:ext uri="{FF2B5EF4-FFF2-40B4-BE49-F238E27FC236}">
-                <a16:creationId xmlns:a16="http://schemas.microsoft.com/office/drawing/2014/main" id="{DCE30C5F-5D3E-3840-B0A2-FB71ED492944}"/>
-              </a:ext>
-            </a:extLst>
-          </p:cNvPr>
-          <p:cNvSpPr>
-            <a:spLocks noGrp="1"/>
-          </p:cNvSpPr>
-          <p:nvPr>
-            <p:ph idx="1"/>
-          </p:nvPr>
-        </p:nvSpPr>
-        <p:spPr/>
-        <p:txBody>
-          <a:bodyPr/>
-          <a:lstStyle/>
-          <a:p>
-            <a:r>
-              <a:rPr lang="da-DK" dirty="0"/>
-              <a:t>Begge klasser </a:t>
-            </a:r>
-            <a:r>
-              <a:rPr lang="da-DK" dirty="0" err="1"/>
-              <a:t>extender</a:t>
-            </a:r>
-            <a:r>
-              <a:rPr lang="da-DK" dirty="0"/>
-              <a:t> vores abstrakte klasse ‘</a:t>
-            </a:r>
-            <a:r>
-              <a:rPr lang="da-DK" dirty="0" err="1"/>
-              <a:t>shape</a:t>
-            </a:r>
-            <a:r>
-              <a:rPr lang="da-DK" dirty="0"/>
-              <a:t>’.</a:t>
-            </a:r>
-          </a:p>
-          <a:p>
-            <a:endParaRPr lang="da-DK" dirty="0"/>
-          </a:p>
-          <a:p>
-            <a:r>
-              <a:rPr lang="da-DK" dirty="0"/>
-              <a:t>Begge klasser har noget til fælles, da de begge skal bruge farve samt areal.</a:t>
-            </a:r>
-          </a:p>
-          <a:p>
-            <a:endParaRPr lang="da-DK" dirty="0"/>
-          </a:p>
-          <a:p>
-            <a:r>
-              <a:rPr lang="da-DK" dirty="0"/>
-              <a:t>Forskellig måde at regne det ud på</a:t>
-            </a:r>
-          </a:p>
-        </p:txBody>
-      </p:sp>
-    </p:spTree>
-    <p:extLst>
-      <p:ext uri="{BB962C8B-B14F-4D97-AF65-F5344CB8AC3E}">
-        <p14:creationId xmlns:p14="http://schemas.microsoft.com/office/powerpoint/2010/main" val="3456869026"/>
-      </p:ext>
-    </p:extLst>
-  </p:cSld>
-  <p:clrMapOvr>
-    <a:masterClrMapping/>
-  </p:clrMapOvr>
-</p:sld>
-</file>
-
-<file path=ppt/slides/slide8.xml><?xml version="1.0" encoding="utf-8"?>
-<p:sld xmlns:a="http://schemas.openxmlformats.org/drawingml/2006/main" xmlns:r="http://schemas.openxmlformats.org/officeDocument/2006/relationships" xmlns:p="http://schemas.openxmlformats.org/presentationml/2006/main">
-  <p:cSld>
     <p:bg>
       <p:bgPr>
         <a:solidFill>
@@ -5619,246 +5775,11 @@
           </a:bodyPr>
           <a:lstStyle/>
           <a:p>
-            <a:r>
-              <a:rPr lang="en-US" sz="2000" dirty="0" err="1">
-                <a:solidFill>
-                  <a:schemeClr val="bg1"/>
-                </a:solidFill>
-              </a:rPr>
-              <a:t>Som</a:t>
-            </a:r>
-            <a:r>
-              <a:rPr lang="en-US" sz="2000" dirty="0">
-                <a:solidFill>
-                  <a:schemeClr val="bg1"/>
-                </a:solidFill>
-              </a:rPr>
-              <a:t> </a:t>
-            </a:r>
-            <a:r>
-              <a:rPr lang="en-US" sz="2000" dirty="0" err="1">
-                <a:solidFill>
-                  <a:schemeClr val="bg1"/>
-                </a:solidFill>
-              </a:rPr>
-              <a:t>nævnt</a:t>
-            </a:r>
-            <a:r>
-              <a:rPr lang="en-US" sz="2000" dirty="0">
-                <a:solidFill>
-                  <a:schemeClr val="bg1"/>
-                </a:solidFill>
-              </a:rPr>
-              <a:t> </a:t>
-            </a:r>
-            <a:r>
-              <a:rPr lang="en-US" sz="2000" dirty="0" err="1">
-                <a:solidFill>
-                  <a:schemeClr val="bg1"/>
-                </a:solidFill>
-              </a:rPr>
-              <a:t>tidligere</a:t>
-            </a:r>
-            <a:r>
-              <a:rPr lang="en-US" sz="2000" dirty="0">
-                <a:solidFill>
-                  <a:schemeClr val="bg1"/>
-                </a:solidFill>
-              </a:rPr>
-              <a:t>, </a:t>
-            </a:r>
-            <a:r>
-              <a:rPr lang="en-US" sz="2000" dirty="0" err="1">
-                <a:solidFill>
-                  <a:schemeClr val="bg1"/>
-                </a:solidFill>
-              </a:rPr>
-              <a:t>så</a:t>
-            </a:r>
-            <a:r>
-              <a:rPr lang="en-US" sz="2000" dirty="0">
-                <a:solidFill>
-                  <a:schemeClr val="bg1"/>
-                </a:solidFill>
-              </a:rPr>
-              <a:t> </a:t>
-            </a:r>
-            <a:r>
-              <a:rPr lang="en-US" sz="2000" dirty="0" err="1">
-                <a:solidFill>
-                  <a:schemeClr val="bg1"/>
-                </a:solidFill>
-              </a:rPr>
-              <a:t>kan</a:t>
-            </a:r>
-            <a:r>
-              <a:rPr lang="en-US" sz="2000" dirty="0">
-                <a:solidFill>
-                  <a:schemeClr val="bg1"/>
-                </a:solidFill>
-              </a:rPr>
-              <a:t> </a:t>
-            </a:r>
-            <a:r>
-              <a:rPr lang="en-US" sz="2000" dirty="0" err="1">
-                <a:solidFill>
-                  <a:schemeClr val="bg1"/>
-                </a:solidFill>
-              </a:rPr>
-              <a:t>en</a:t>
-            </a:r>
-            <a:r>
-              <a:rPr lang="en-US" sz="2000" dirty="0">
-                <a:solidFill>
-                  <a:schemeClr val="bg1"/>
-                </a:solidFill>
-              </a:rPr>
-              <a:t> abstract </a:t>
-            </a:r>
-            <a:r>
-              <a:rPr lang="en-US" sz="2000" dirty="0" err="1">
-                <a:solidFill>
-                  <a:schemeClr val="bg1"/>
-                </a:solidFill>
-              </a:rPr>
-              <a:t>klasse</a:t>
-            </a:r>
-            <a:r>
-              <a:rPr lang="en-US" sz="2000" dirty="0">
-                <a:solidFill>
-                  <a:schemeClr val="bg1"/>
-                </a:solidFill>
-              </a:rPr>
-              <a:t> IKKE </a:t>
-            </a:r>
-            <a:r>
-              <a:rPr lang="en-US" sz="2000" dirty="0" err="1">
-                <a:solidFill>
-                  <a:schemeClr val="bg1"/>
-                </a:solidFill>
-              </a:rPr>
-              <a:t>instantieres</a:t>
-            </a:r>
-            <a:r>
-              <a:rPr lang="en-US" sz="2000" dirty="0">
-                <a:solidFill>
-                  <a:schemeClr val="bg1"/>
-                </a:solidFill>
-              </a:rPr>
-              <a:t> </a:t>
-            </a:r>
-            <a:r>
-              <a:rPr lang="en-US" sz="2000" dirty="0" err="1">
-                <a:solidFill>
-                  <a:schemeClr val="bg1"/>
-                </a:solidFill>
-              </a:rPr>
-              <a:t>alene</a:t>
-            </a:r>
-            <a:r>
-              <a:rPr lang="en-US" sz="2000" dirty="0">
-                <a:solidFill>
-                  <a:schemeClr val="bg1"/>
-                </a:solidFill>
-              </a:rPr>
-              <a:t>, men </a:t>
-            </a:r>
-            <a:r>
-              <a:rPr lang="en-US" sz="2000" dirty="0" err="1">
-                <a:solidFill>
-                  <a:schemeClr val="bg1"/>
-                </a:solidFill>
-              </a:rPr>
-              <a:t>en</a:t>
-            </a:r>
-            <a:r>
-              <a:rPr lang="en-US" sz="2000" dirty="0">
-                <a:solidFill>
-                  <a:schemeClr val="bg1"/>
-                </a:solidFill>
-              </a:rPr>
-              <a:t> abstract </a:t>
-            </a:r>
-            <a:r>
-              <a:rPr lang="en-US" sz="2000" dirty="0" err="1">
-                <a:solidFill>
-                  <a:schemeClr val="bg1"/>
-                </a:solidFill>
-              </a:rPr>
-              <a:t>klassen</a:t>
-            </a:r>
-            <a:r>
-              <a:rPr lang="en-US" sz="2000" dirty="0">
-                <a:solidFill>
-                  <a:schemeClr val="bg1"/>
-                </a:solidFill>
-              </a:rPr>
-              <a:t> </a:t>
-            </a:r>
-            <a:r>
-              <a:rPr lang="en-US" sz="2000" dirty="0" err="1">
-                <a:solidFill>
-                  <a:schemeClr val="bg1"/>
-                </a:solidFill>
-              </a:rPr>
-              <a:t>kan</a:t>
-            </a:r>
-            <a:r>
-              <a:rPr lang="en-US" sz="2000" dirty="0">
-                <a:solidFill>
-                  <a:schemeClr val="bg1"/>
-                </a:solidFill>
-              </a:rPr>
-              <a:t> GODT </a:t>
-            </a:r>
-            <a:r>
-              <a:rPr lang="en-US" sz="2000" dirty="0" err="1">
-                <a:solidFill>
-                  <a:schemeClr val="bg1"/>
-                </a:solidFill>
-              </a:rPr>
-              <a:t>instantieres</a:t>
-            </a:r>
-            <a:r>
-              <a:rPr lang="en-US" sz="2000" dirty="0">
-                <a:solidFill>
-                  <a:schemeClr val="bg1"/>
-                </a:solidFill>
-              </a:rPr>
-              <a:t> </a:t>
-            </a:r>
-            <a:r>
-              <a:rPr lang="en-US" sz="2000" dirty="0" err="1">
-                <a:solidFill>
-                  <a:schemeClr val="bg1"/>
-                </a:solidFill>
-              </a:rPr>
-              <a:t>som</a:t>
-            </a:r>
-            <a:r>
-              <a:rPr lang="en-US" sz="2000" dirty="0">
-                <a:solidFill>
-                  <a:schemeClr val="bg1"/>
-                </a:solidFill>
-              </a:rPr>
-              <a:t> et </a:t>
-            </a:r>
-            <a:r>
-              <a:rPr lang="en-US" sz="2000" dirty="0" err="1">
-                <a:solidFill>
-                  <a:schemeClr val="bg1"/>
-                </a:solidFill>
-              </a:rPr>
-              <a:t>specifikt</a:t>
-            </a:r>
-            <a:r>
-              <a:rPr lang="en-US" sz="2000" dirty="0">
-                <a:solidFill>
-                  <a:schemeClr val="bg1"/>
-                </a:solidFill>
-              </a:rPr>
-              <a:t> object. </a:t>
-            </a:r>
+            <a:endParaRPr lang="en-US" sz="2000" dirty="0">
+              <a:solidFill>
+                <a:schemeClr val="bg1"/>
+              </a:solidFill>
+            </a:endParaRPr>
           </a:p>
         </p:txBody>
       </p:sp>
@@ -5877,7 +5798,7 @@
           <p:nvPr/>
         </p:nvPicPr>
         <p:blipFill>
-          <a:blip r:embed="rId2"/>
+          <a:blip r:embed="rId3"/>
           <a:stretch>
             <a:fillRect/>
           </a:stretch>
@@ -5905,6 +5826,153 @@
 </p:sld>
 </file>
 
+<file path=ppt/slides/slide8.xml><?xml version="1.0" encoding="utf-8"?>
+<p:sld xmlns:a="http://schemas.openxmlformats.org/drawingml/2006/main" xmlns:r="http://schemas.openxmlformats.org/officeDocument/2006/relationships" xmlns:p="http://schemas.openxmlformats.org/presentationml/2006/main">
+  <p:cSld>
+    <p:spTree>
+      <p:nvGrpSpPr>
+        <p:cNvPr id="1" name=""/>
+        <p:cNvGrpSpPr/>
+        <p:nvPr/>
+      </p:nvGrpSpPr>
+      <p:grpSpPr>
+        <a:xfrm>
+          <a:off x="0" y="0"/>
+          <a:ext cx="0" cy="0"/>
+          <a:chOff x="0" y="0"/>
+          <a:chExt cx="0" cy="0"/>
+        </a:xfrm>
+      </p:grpSpPr>
+      <p:sp>
+        <p:nvSpPr>
+          <p:cNvPr id="2" name="Titel 1">
+            <a:extLst>
+              <a:ext uri="{FF2B5EF4-FFF2-40B4-BE49-F238E27FC236}">
+                <a16:creationId xmlns:a16="http://schemas.microsoft.com/office/drawing/2014/main" id="{969CCD91-08E7-9942-8481-8F42CB208FB6}"/>
+              </a:ext>
+            </a:extLst>
+          </p:cNvPr>
+          <p:cNvSpPr>
+            <a:spLocks noGrp="1"/>
+          </p:cNvSpPr>
+          <p:nvPr>
+            <p:ph type="title"/>
+          </p:nvPr>
+        </p:nvSpPr>
+        <p:spPr/>
+        <p:txBody>
+          <a:bodyPr/>
+          <a:lstStyle/>
+          <a:p>
+            <a:r>
+              <a:rPr lang="da-DK" dirty="0" err="1"/>
+              <a:t>Polymorphism</a:t>
+            </a:r>
+            <a:r>
+              <a:rPr lang="da-DK" dirty="0"/>
+              <a:t>	</a:t>
+            </a:r>
+          </a:p>
+        </p:txBody>
+      </p:sp>
+      <p:sp>
+        <p:nvSpPr>
+          <p:cNvPr id="3" name="Pladsholder til indhold 2">
+            <a:extLst>
+              <a:ext uri="{FF2B5EF4-FFF2-40B4-BE49-F238E27FC236}">
+                <a16:creationId xmlns:a16="http://schemas.microsoft.com/office/drawing/2014/main" id="{E70417F1-CE73-DB46-97A6-7C6587CCD8A7}"/>
+              </a:ext>
+            </a:extLst>
+          </p:cNvPr>
+          <p:cNvSpPr>
+            <a:spLocks noGrp="1"/>
+          </p:cNvSpPr>
+          <p:nvPr>
+            <p:ph idx="1"/>
+          </p:nvPr>
+        </p:nvSpPr>
+        <p:spPr>
+          <a:xfrm>
+            <a:off x="838200" y="1282699"/>
+            <a:ext cx="10515600" cy="5446713"/>
+          </a:xfrm>
+        </p:spPr>
+        <p:txBody>
+          <a:bodyPr/>
+          <a:lstStyle/>
+          <a:p>
+            <a:r>
+              <a:rPr lang="da-DK" dirty="0" err="1"/>
+              <a:t>poly</a:t>
+            </a:r>
+            <a:r>
+              <a:rPr lang="da-DK" dirty="0"/>
+              <a:t> = mange, </a:t>
+            </a:r>
+            <a:r>
+              <a:rPr lang="da-DK" dirty="0" err="1"/>
+              <a:t>morph</a:t>
+            </a:r>
+            <a:r>
+              <a:rPr lang="da-DK" dirty="0"/>
+              <a:t> = former</a:t>
+            </a:r>
+          </a:p>
+          <a:p>
+            <a:pPr marL="0" indent="0">
+              <a:buNone/>
+            </a:pPr>
+            <a:endParaRPr lang="da-DK" dirty="0"/>
+          </a:p>
+          <a:p>
+            <a:r>
+              <a:rPr lang="da-DK" dirty="0"/>
+              <a:t>Method </a:t>
+            </a:r>
+            <a:r>
+              <a:rPr lang="da-DK" dirty="0" err="1"/>
+              <a:t>overloading</a:t>
+            </a:r>
+            <a:endParaRPr lang="da-DK" dirty="0"/>
+          </a:p>
+          <a:p>
+            <a:endParaRPr lang="da-DK" dirty="0"/>
+          </a:p>
+          <a:p>
+            <a:r>
+              <a:rPr lang="da-DK" dirty="0"/>
+              <a:t>Method </a:t>
+            </a:r>
+            <a:r>
+              <a:rPr lang="da-DK" dirty="0" err="1"/>
+              <a:t>overriding</a:t>
+            </a:r>
+            <a:r>
+              <a:rPr lang="da-DK" dirty="0"/>
+              <a:t> (Nedarvning)</a:t>
+            </a:r>
+          </a:p>
+          <a:p>
+            <a:endParaRPr lang="da-DK" dirty="0"/>
+          </a:p>
+          <a:p>
+            <a:endParaRPr lang="da-DK" dirty="0"/>
+          </a:p>
+        </p:txBody>
+      </p:sp>
+    </p:spTree>
+    <p:extLst>
+      <p:ext uri="{BB962C8B-B14F-4D97-AF65-F5344CB8AC3E}">
+        <p14:creationId xmlns:p14="http://schemas.microsoft.com/office/powerpoint/2010/main" val="2268625577"/>
+      </p:ext>
+    </p:extLst>
+  </p:cSld>
+  <p:clrMapOvr>
+    <a:masterClrMapping/>
+  </p:clrMapOvr>
+</p:sld>
+</file>
+
 <file path=ppt/slides/slide9.xml><?xml version="1.0" encoding="utf-8"?>
 <p:sld xmlns:a="http://schemas.openxmlformats.org/drawingml/2006/main" xmlns:r="http://schemas.openxmlformats.org/officeDocument/2006/relationships" xmlns:p="http://schemas.openxmlformats.org/presentationml/2006/main">
   <p:cSld>
@@ -5927,7 +5995,7 @@
           <p:cNvPr id="2" name="Titel 1">
             <a:extLst>
               <a:ext uri="{FF2B5EF4-FFF2-40B4-BE49-F238E27FC236}">
-                <a16:creationId xmlns:a16="http://schemas.microsoft.com/office/drawing/2014/main" id="{34BA5C1B-DF34-0E48-8D0A-C9B1ABF511FF}"/>
+                <a16:creationId xmlns:a16="http://schemas.microsoft.com/office/drawing/2014/main" id="{04EBD38E-F2D9-274F-AFAF-74622B0B2EE9}"/>
               </a:ext>
             </a:extLst>
           </p:cNvPr>
@@ -5943,7 +6011,14 @@
           <a:bodyPr/>
           <a:lstStyle/>
           <a:p>
-            <a:endParaRPr lang="da-DK"/>
+            <a:r>
+              <a:rPr lang="da-DK" dirty="0" err="1"/>
+              <a:t>Inheritance</a:t>
+            </a:r>
+            <a:r>
+              <a:rPr lang="da-DK" dirty="0"/>
+              <a:t>	</a:t>
+            </a:r>
           </a:p>
         </p:txBody>
       </p:sp>
@@ -5952,7 +6027,7 @@
           <p:cNvPr id="3" name="Pladsholder til indhold 2">
             <a:extLst>
               <a:ext uri="{FF2B5EF4-FFF2-40B4-BE49-F238E27FC236}">
-                <a16:creationId xmlns:a16="http://schemas.microsoft.com/office/drawing/2014/main" id="{8397ECB6-803A-3C4C-9C3D-049C8EC13136}"/>
+                <a16:creationId xmlns:a16="http://schemas.microsoft.com/office/drawing/2014/main" id="{9D12A8D5-51C8-DF4A-9BD0-6B0F1503EFD0}"/>
               </a:ext>
             </a:extLst>
           </p:cNvPr>
@@ -5970,15 +6045,34 @@
           <a:p>
             <a:r>
               <a:rPr lang="da-DK" dirty="0"/>
-              <a:t>Data </a:t>
-            </a:r>
+              <a:t>Nedarver</a:t>
+            </a:r>
+          </a:p>
+          <a:p>
             <a:r>
               <a:rPr lang="da-DK" dirty="0" err="1"/>
-              <a:t>abstraction</a:t>
+              <a:t>Extends</a:t>
             </a:r>
             <a:r>
               <a:rPr lang="da-DK" dirty="0"/>
-              <a:t> bruges til, at generalisere samt simplificere funktioner, hvor man ikke nødvendigvis behøver kende al bagvedliggende funktionalitet. </a:t>
+              <a:t> </a:t>
+            </a:r>
+            <a:r>
+              <a:rPr lang="da-DK" dirty="0" err="1"/>
+              <a:t>keyword</a:t>
+            </a:r>
+            <a:endParaRPr lang="da-DK" dirty="0"/>
+          </a:p>
+          <a:p>
+            <a:r>
+              <a:rPr lang="da-DK" dirty="0"/>
+              <a:t>Subklasse</a:t>
+            </a:r>
+          </a:p>
+          <a:p>
+            <a:r>
+              <a:rPr lang="da-DK" dirty="0"/>
+              <a:t>Superklasse</a:t>
             </a:r>
           </a:p>
         </p:txBody>
@@ -5986,7 +6080,7 @@
     </p:spTree>
     <p:extLst>
       <p:ext uri="{BB962C8B-B14F-4D97-AF65-F5344CB8AC3E}">
-        <p14:creationId xmlns:p14="http://schemas.microsoft.com/office/powerpoint/2010/main" val="1177086167"/>
+        <p14:creationId xmlns:p14="http://schemas.microsoft.com/office/powerpoint/2010/main" val="2811630935"/>
       </p:ext>
     </p:extLst>
   </p:cSld>
@@ -6289,4 +6383,299 @@
     </a:ext>
   </a:extLst>
 </a:theme>
+</file>
+
+<file path=ppt/theme/theme2.xml><?xml version="1.0" encoding="utf-8"?>
+<a:theme xmlns:a="http://schemas.openxmlformats.org/drawingml/2006/main" name="Office-tema">
+  <a:themeElements>
+    <a:clrScheme name="Office">
+      <a:dk1>
+        <a:sysClr val="windowText" lastClr="000000"/>
+      </a:dk1>
+      <a:lt1>
+        <a:sysClr val="window" lastClr="FFFFFF"/>
+      </a:lt1>
+      <a:dk2>
+        <a:srgbClr val="44546A"/>
+      </a:dk2>
+      <a:lt2>
+        <a:srgbClr val="E7E6E6"/>
+      </a:lt2>
+      <a:accent1>
+        <a:srgbClr val="4472C4"/>
+      </a:accent1>
+      <a:accent2>
+        <a:srgbClr val="ED7D31"/>
+      </a:accent2>
+      <a:accent3>
+        <a:srgbClr val="A5A5A5"/>
+      </a:accent3>
+      <a:accent4>
+        <a:srgbClr val="FFC000"/>
+      </a:accent4>
+      <a:accent5>
+        <a:srgbClr val="5B9BD5"/>
+      </a:accent5>
+      <a:accent6>
+        <a:srgbClr val="70AD47"/>
+      </a:accent6>
+      <a:hlink>
+        <a:srgbClr val="0563C1"/>
+      </a:hlink>
+      <a:folHlink>
+        <a:srgbClr val="954F72"/>
+      </a:folHlink>
+    </a:clrScheme>
+    <a:fontScheme name="Office">
+      <a:majorFont>
+        <a:latin typeface="Calibri Light" panose="020F0302020204030204"/>
+        <a:ea typeface=""/>
+        <a:cs typeface=""/>
+        <a:font script="Jpan" typeface="游ゴシック Light"/>
+        <a:font script="Hang" typeface="맑은 고딕"/>
+        <a:font script="Hans" typeface="等线 Light"/>
+        <a:font script="Hant" typeface="新細明體"/>
+        <a:font script="Arab" typeface="Times New Roman"/>
+        <a:font script="Hebr" typeface="Times New Roman"/>
+        <a:font script="Thai" typeface="Angsana New"/>
+        <a:font script="Ethi" typeface="Nyala"/>
+        <a:font script="Beng" typeface="Vrinda"/>
+        <a:font script="Gujr" typeface="Shruti"/>
+        <a:font script="Khmr" typeface="MoolBoran"/>
+        <a:font script="Knda" typeface="Tunga"/>
+        <a:font script="Guru" typeface="Raavi"/>
+        <a:font script="Cans" typeface="Euphemia"/>
+        <a:font script="Cher" typeface="Plantagenet Cherokee"/>
+        <a:font script="Yiii" typeface="Microsoft Yi Baiti"/>
+        <a:font script="Tibt" typeface="Microsoft Himalaya"/>
+        <a:font script="Thaa" typeface="MV Boli"/>
+        <a:font script="Deva" typeface="Mangal"/>
+        <a:font script="Telu" typeface="Gautami"/>
+        <a:font script="Taml" typeface="Latha"/>
+        <a:font script="Syrc" typeface="Estrangelo Edessa"/>
+        <a:font script="Orya" typeface="Kalinga"/>
+        <a:font script="Mlym" typeface="Kartika"/>
+        <a:font script="Laoo" typeface="DokChampa"/>
+        <a:font script="Sinh" typeface="Iskoola Pota"/>
+        <a:font script="Mong" typeface="Mongolian Baiti"/>
+        <a:font script="Viet" typeface="Times New Roman"/>
+        <a:font script="Uigh" typeface="Microsoft Uighur"/>
+        <a:font script="Geor" typeface="Sylfaen"/>
+        <a:font script="Armn" typeface="Arial"/>
+        <a:font script="Bugi" typeface="Leelawadee UI"/>
+        <a:font script="Bopo" typeface="Microsoft JhengHei"/>
+        <a:font script="Java" typeface="Javanese Text"/>
+        <a:font script="Lisu" typeface="Segoe UI"/>
+        <a:font script="Mymr" typeface="Myanmar Text"/>
+        <a:font script="Nkoo" typeface="Ebrima"/>
+        <a:font script="Olck" typeface="Nirmala UI"/>
+        <a:font script="Osma" typeface="Ebrima"/>
+        <a:font script="Phag" typeface="Phagspa"/>
+        <a:font script="Syrn" typeface="Estrangelo Edessa"/>
+        <a:font script="Syrj" typeface="Estrangelo Edessa"/>
+        <a:font script="Syre" typeface="Estrangelo Edessa"/>
+        <a:font script="Sora" typeface="Nirmala UI"/>
+        <a:font script="Tale" typeface="Microsoft Tai Le"/>
+        <a:font script="Talu" typeface="Microsoft New Tai Lue"/>
+        <a:font script="Tfng" typeface="Ebrima"/>
+      </a:majorFont>
+      <a:minorFont>
+        <a:latin typeface="Calibri" panose="020F0502020204030204"/>
+        <a:ea typeface=""/>
+        <a:cs typeface=""/>
+        <a:font script="Jpan" typeface="游ゴシック"/>
+        <a:font script="Hang" typeface="맑은 고딕"/>
+        <a:font script="Hans" typeface="等线"/>
+        <a:font script="Hant" typeface="新細明體"/>
+        <a:font script="Arab" typeface="Arial"/>
+        <a:font script="Hebr" typeface="Arial"/>
+        <a:font script="Thai" typeface="Cordia New"/>
+        <a:font script="Ethi" typeface="Nyala"/>
+        <a:font script="Beng" typeface="Vrinda"/>
+        <a:font script="Gujr" typeface="Shruti"/>
+        <a:font script="Khmr" typeface="DaunPenh"/>
+        <a:font script="Knda" typeface="Tunga"/>
+        <a:font script="Guru" typeface="Raavi"/>
+        <a:font script="Cans" typeface="Euphemia"/>
+        <a:font script="Cher" typeface="Plantagenet Cherokee"/>
+        <a:font script="Yiii" typeface="Microsoft Yi Baiti"/>
+        <a:font script="Tibt" typeface="Microsoft Himalaya"/>
+        <a:font script="Thaa" typeface="MV Boli"/>
+        <a:font script="Deva" typeface="Mangal"/>
+        <a:font script="Telu" typeface="Gautami"/>
+        <a:font script="Taml" typeface="Latha"/>
+        <a:font script="Syrc" typeface="Estrangelo Edessa"/>
+        <a:font script="Orya" typeface="Kalinga"/>
+        <a:font script="Mlym" typeface="Kartika"/>
+        <a:font script="Laoo" typeface="DokChampa"/>
+        <a:font script="Sinh" typeface="Iskoola Pota"/>
+        <a:font script="Mong" typeface="Mongolian Baiti"/>
+        <a:font script="Viet" typeface="Arial"/>
+        <a:font script="Uigh" typeface="Microsoft Uighur"/>
+        <a:font script="Geor" typeface="Sylfaen"/>
+        <a:font script="Armn" typeface="Arial"/>
+        <a:font script="Bugi" typeface="Leelawadee UI"/>
+        <a:font script="Bopo" typeface="Microsoft JhengHei"/>
+        <a:font script="Java" typeface="Javanese Text"/>
+        <a:font script="Lisu" typeface="Segoe UI"/>
+        <a:font script="Mymr" typeface="Myanmar Text"/>
+        <a:font script="Nkoo" typeface="Ebrima"/>
+        <a:font script="Olck" typeface="Nirmala UI"/>
+        <a:font script="Osma" typeface="Ebrima"/>
+        <a:font script="Phag" typeface="Phagspa"/>
+        <a:font script="Syrn" typeface="Estrangelo Edessa"/>
+        <a:font script="Syrj" typeface="Estrangelo Edessa"/>
+        <a:font script="Syre" typeface="Estrangelo Edessa"/>
+        <a:font script="Sora" typeface="Nirmala UI"/>
+        <a:font script="Tale" typeface="Microsoft Tai Le"/>
+        <a:font script="Talu" typeface="Microsoft New Tai Lue"/>
+        <a:font script="Tfng" typeface="Ebrima"/>
+      </a:minorFont>
+    </a:fontScheme>
+    <a:fmtScheme name="Office">
+      <a:fillStyleLst>
+        <a:solidFill>
+          <a:schemeClr val="phClr"/>
+        </a:solidFill>
+        <a:gradFill rotWithShape="1">
+          <a:gsLst>
+            <a:gs pos="0">
+              <a:schemeClr val="phClr">
+                <a:lumMod val="110000"/>
+                <a:satMod val="105000"/>
+                <a:tint val="67000"/>
+              </a:schemeClr>
+            </a:gs>
+            <a:gs pos="50000">
+              <a:schemeClr val="phClr">
+                <a:lumMod val="105000"/>
+                <a:satMod val="103000"/>
+                <a:tint val="73000"/>
+              </a:schemeClr>
+            </a:gs>
+            <a:gs pos="100000">
+              <a:schemeClr val="phClr">
+                <a:lumMod val="105000"/>
+                <a:satMod val="109000"/>
+                <a:tint val="81000"/>
+              </a:schemeClr>
+            </a:gs>
+          </a:gsLst>
+          <a:lin ang="5400000" scaled="0"/>
+        </a:gradFill>
+        <a:gradFill rotWithShape="1">
+          <a:gsLst>
+            <a:gs pos="0">
+              <a:schemeClr val="phClr">
+                <a:satMod val="103000"/>
+                <a:lumMod val="102000"/>
+                <a:tint val="94000"/>
+              </a:schemeClr>
+            </a:gs>
+            <a:gs pos="50000">
+              <a:schemeClr val="phClr">
+                <a:satMod val="110000"/>
+                <a:lumMod val="100000"/>
+                <a:shade val="100000"/>
+              </a:schemeClr>
+            </a:gs>
+            <a:gs pos="100000">
+              <a:schemeClr val="phClr">
+                <a:lumMod val="99000"/>
+                <a:satMod val="120000"/>
+                <a:shade val="78000"/>
+              </a:schemeClr>
+            </a:gs>
+          </a:gsLst>
+          <a:lin ang="5400000" scaled="0"/>
+        </a:gradFill>
+      </a:fillStyleLst>
+      <a:lnStyleLst>
+        <a:ln w="6350" cap="flat" cmpd="sng" algn="ctr">
+          <a:solidFill>
+            <a:schemeClr val="phClr"/>
+          </a:solidFill>
+          <a:prstDash val="solid"/>
+          <a:miter lim="800000"/>
+        </a:ln>
+        <a:ln w="12700" cap="flat" cmpd="sng" algn="ctr">
+          <a:solidFill>
+            <a:schemeClr val="phClr"/>
+          </a:solidFill>
+          <a:prstDash val="solid"/>
+          <a:miter lim="800000"/>
+        </a:ln>
+        <a:ln w="19050" cap="flat" cmpd="sng" algn="ctr">
+          <a:solidFill>
+            <a:schemeClr val="phClr"/>
+          </a:solidFill>
+          <a:prstDash val="solid"/>
+          <a:miter lim="800000"/>
+        </a:ln>
+      </a:lnStyleLst>
+      <a:effectStyleLst>
+        <a:effectStyle>
+          <a:effectLst/>
+        </a:effectStyle>
+        <a:effectStyle>
+          <a:effectLst/>
+        </a:effectStyle>
+        <a:effectStyle>
+          <a:effectLst>
+            <a:outerShdw blurRad="57150" dist="19050" dir="5400000" algn="ctr" rotWithShape="0">
+              <a:srgbClr val="000000">
+                <a:alpha val="63000"/>
+              </a:srgbClr>
+            </a:outerShdw>
+          </a:effectLst>
+        </a:effectStyle>
+      </a:effectStyleLst>
+      <a:bgFillStyleLst>
+        <a:solidFill>
+          <a:schemeClr val="phClr"/>
+        </a:solidFill>
+        <a:solidFill>
+          <a:schemeClr val="phClr">
+            <a:tint val="95000"/>
+            <a:satMod val="170000"/>
+          </a:schemeClr>
+        </a:solidFill>
+        <a:gradFill rotWithShape="1">
+          <a:gsLst>
+            <a:gs pos="0">
+              <a:schemeClr val="phClr">
+                <a:tint val="93000"/>
+                <a:satMod val="150000"/>
+                <a:shade val="98000"/>
+                <a:lumMod val="102000"/>
+              </a:schemeClr>
+            </a:gs>
+            <a:gs pos="50000">
+              <a:schemeClr val="phClr">
+                <a:tint val="98000"/>
+                <a:satMod val="130000"/>
+                <a:shade val="90000"/>
+                <a:lumMod val="103000"/>
+              </a:schemeClr>
+            </a:gs>
+            <a:gs pos="100000">
+              <a:schemeClr val="phClr">
+                <a:shade val="63000"/>
+                <a:satMod val="120000"/>
+              </a:schemeClr>
+            </a:gs>
+          </a:gsLst>
+          <a:lin ang="5400000" scaled="0"/>
+        </a:gradFill>
+      </a:bgFillStyleLst>
+    </a:fmtScheme>
+  </a:themeElements>
+  <a:objectDefaults/>
+  <a:extraClrSchemeLst/>
+  <a:extLst>
+    <a:ext uri="{05A4C25C-085E-4340-85A3-A5531E510DB2}">
+      <thm15:themeFamily xmlns:thm15="http://schemas.microsoft.com/office/thememl/2012/main" name="Office Theme" id="{62F939B6-93AF-4DB8-9C6B-D6C7DFDC589F}" vid="{4A3C46E8-61CC-4603-A589-7422A47A8E4A}"/>
+    </a:ext>
+  </a:extLst>
+</a:theme>
 </file>